--- a/figure/figures.pptx
+++ b/figure/figures.pptx
@@ -6,6 +6,7 @@
   </p:sldMasterIdLst>
   <p:sldIdLst>
     <p:sldId id="256" r:id="rId2"/>
+    <p:sldId id="257" r:id="rId3"/>
   </p:sldIdLst>
   <p:sldSz cx="9144000" cy="6858000" type="screen4x3"/>
   <p:notesSz cx="6858000" cy="9144000"/>
@@ -288,7 +289,8 @@
           <a:p>
             <a:fld id="{3CBAA8D8-F624-44BE-BFA5-F7FAA6844F71}" type="datetimeFigureOut">
               <a:rPr lang="en-US" smtClean="0"/>
-              <a:t>10/26/2009</a:t>
+              <a:pPr/>
+              <a:t>10/29/2009</a:t>
             </a:fld>
             <a:endParaRPr lang="en-US"/>
           </a:p>
@@ -330,6 +332,7 @@
           <a:p>
             <a:fld id="{A56ACC3E-5778-454B-9AF5-533DE6392807}" type="slidenum">
               <a:rPr lang="en-US" smtClean="0"/>
+              <a:pPr/>
               <a:t>‹#›</a:t>
             </a:fld>
             <a:endParaRPr lang="en-US"/>
@@ -453,7 +456,8 @@
           <a:p>
             <a:fld id="{3CBAA8D8-F624-44BE-BFA5-F7FAA6844F71}" type="datetimeFigureOut">
               <a:rPr lang="en-US" smtClean="0"/>
-              <a:t>10/26/2009</a:t>
+              <a:pPr/>
+              <a:t>10/29/2009</a:t>
             </a:fld>
             <a:endParaRPr lang="en-US"/>
           </a:p>
@@ -495,6 +499,7 @@
           <a:p>
             <a:fld id="{A56ACC3E-5778-454B-9AF5-533DE6392807}" type="slidenum">
               <a:rPr lang="en-US" smtClean="0"/>
+              <a:pPr/>
               <a:t>‹#›</a:t>
             </a:fld>
             <a:endParaRPr lang="en-US"/>
@@ -628,7 +633,8 @@
           <a:p>
             <a:fld id="{3CBAA8D8-F624-44BE-BFA5-F7FAA6844F71}" type="datetimeFigureOut">
               <a:rPr lang="en-US" smtClean="0"/>
-              <a:t>10/26/2009</a:t>
+              <a:pPr/>
+              <a:t>10/29/2009</a:t>
             </a:fld>
             <a:endParaRPr lang="en-US"/>
           </a:p>
@@ -670,6 +676,7 @@
           <a:p>
             <a:fld id="{A56ACC3E-5778-454B-9AF5-533DE6392807}" type="slidenum">
               <a:rPr lang="en-US" smtClean="0"/>
+              <a:pPr/>
               <a:t>‹#›</a:t>
             </a:fld>
             <a:endParaRPr lang="en-US"/>
@@ -793,7 +800,8 @@
           <a:p>
             <a:fld id="{3CBAA8D8-F624-44BE-BFA5-F7FAA6844F71}" type="datetimeFigureOut">
               <a:rPr lang="en-US" smtClean="0"/>
-              <a:t>10/26/2009</a:t>
+              <a:pPr/>
+              <a:t>10/29/2009</a:t>
             </a:fld>
             <a:endParaRPr lang="en-US"/>
           </a:p>
@@ -835,6 +843,7 @@
           <a:p>
             <a:fld id="{A56ACC3E-5778-454B-9AF5-533DE6392807}" type="slidenum">
               <a:rPr lang="en-US" smtClean="0"/>
+              <a:pPr/>
               <a:t>‹#›</a:t>
             </a:fld>
             <a:endParaRPr lang="en-US"/>
@@ -1034,7 +1043,8 @@
           <a:p>
             <a:fld id="{3CBAA8D8-F624-44BE-BFA5-F7FAA6844F71}" type="datetimeFigureOut">
               <a:rPr lang="en-US" smtClean="0"/>
-              <a:t>10/26/2009</a:t>
+              <a:pPr/>
+              <a:t>10/29/2009</a:t>
             </a:fld>
             <a:endParaRPr lang="en-US"/>
           </a:p>
@@ -1076,6 +1086,7 @@
           <a:p>
             <a:fld id="{A56ACC3E-5778-454B-9AF5-533DE6392807}" type="slidenum">
               <a:rPr lang="en-US" smtClean="0"/>
+              <a:pPr/>
               <a:t>‹#›</a:t>
             </a:fld>
             <a:endParaRPr lang="en-US"/>
@@ -1317,7 +1328,8 @@
           <a:p>
             <a:fld id="{3CBAA8D8-F624-44BE-BFA5-F7FAA6844F71}" type="datetimeFigureOut">
               <a:rPr lang="en-US" smtClean="0"/>
-              <a:t>10/26/2009</a:t>
+              <a:pPr/>
+              <a:t>10/29/2009</a:t>
             </a:fld>
             <a:endParaRPr lang="en-US"/>
           </a:p>
@@ -1359,6 +1371,7 @@
           <a:p>
             <a:fld id="{A56ACC3E-5778-454B-9AF5-533DE6392807}" type="slidenum">
               <a:rPr lang="en-US" smtClean="0"/>
+              <a:pPr/>
               <a:t>‹#›</a:t>
             </a:fld>
             <a:endParaRPr lang="en-US"/>
@@ -1734,7 +1747,8 @@
           <a:p>
             <a:fld id="{3CBAA8D8-F624-44BE-BFA5-F7FAA6844F71}" type="datetimeFigureOut">
               <a:rPr lang="en-US" smtClean="0"/>
-              <a:t>10/26/2009</a:t>
+              <a:pPr/>
+              <a:t>10/29/2009</a:t>
             </a:fld>
             <a:endParaRPr lang="en-US"/>
           </a:p>
@@ -1776,6 +1790,7 @@
           <a:p>
             <a:fld id="{A56ACC3E-5778-454B-9AF5-533DE6392807}" type="slidenum">
               <a:rPr lang="en-US" smtClean="0"/>
+              <a:pPr/>
               <a:t>‹#›</a:t>
             </a:fld>
             <a:endParaRPr lang="en-US"/>
@@ -1847,7 +1862,8 @@
           <a:p>
             <a:fld id="{3CBAA8D8-F624-44BE-BFA5-F7FAA6844F71}" type="datetimeFigureOut">
               <a:rPr lang="en-US" smtClean="0"/>
-              <a:t>10/26/2009</a:t>
+              <a:pPr/>
+              <a:t>10/29/2009</a:t>
             </a:fld>
             <a:endParaRPr lang="en-US"/>
           </a:p>
@@ -1889,6 +1905,7 @@
           <a:p>
             <a:fld id="{A56ACC3E-5778-454B-9AF5-533DE6392807}" type="slidenum">
               <a:rPr lang="en-US" smtClean="0"/>
+              <a:pPr/>
               <a:t>‹#›</a:t>
             </a:fld>
             <a:endParaRPr lang="en-US"/>
@@ -1937,7 +1954,8 @@
           <a:p>
             <a:fld id="{3CBAA8D8-F624-44BE-BFA5-F7FAA6844F71}" type="datetimeFigureOut">
               <a:rPr lang="en-US" smtClean="0"/>
-              <a:t>10/26/2009</a:t>
+              <a:pPr/>
+              <a:t>10/29/2009</a:t>
             </a:fld>
             <a:endParaRPr lang="en-US"/>
           </a:p>
@@ -1979,6 +1997,7 @@
           <a:p>
             <a:fld id="{A56ACC3E-5778-454B-9AF5-533DE6392807}" type="slidenum">
               <a:rPr lang="en-US" smtClean="0"/>
+              <a:pPr/>
               <a:t>‹#›</a:t>
             </a:fld>
             <a:endParaRPr lang="en-US"/>
@@ -2209,7 +2228,8 @@
           <a:p>
             <a:fld id="{3CBAA8D8-F624-44BE-BFA5-F7FAA6844F71}" type="datetimeFigureOut">
               <a:rPr lang="en-US" smtClean="0"/>
-              <a:t>10/26/2009</a:t>
+              <a:pPr/>
+              <a:t>10/29/2009</a:t>
             </a:fld>
             <a:endParaRPr lang="en-US"/>
           </a:p>
@@ -2251,6 +2271,7 @@
           <a:p>
             <a:fld id="{A56ACC3E-5778-454B-9AF5-533DE6392807}" type="slidenum">
               <a:rPr lang="en-US" smtClean="0"/>
+              <a:pPr/>
               <a:t>‹#›</a:t>
             </a:fld>
             <a:endParaRPr lang="en-US"/>
@@ -2457,7 +2478,8 @@
           <a:p>
             <a:fld id="{3CBAA8D8-F624-44BE-BFA5-F7FAA6844F71}" type="datetimeFigureOut">
               <a:rPr lang="en-US" smtClean="0"/>
-              <a:t>10/26/2009</a:t>
+              <a:pPr/>
+              <a:t>10/29/2009</a:t>
             </a:fld>
             <a:endParaRPr lang="en-US"/>
           </a:p>
@@ -2499,6 +2521,7 @@
           <a:p>
             <a:fld id="{A56ACC3E-5778-454B-9AF5-533DE6392807}" type="slidenum">
               <a:rPr lang="en-US" smtClean="0"/>
+              <a:pPr/>
               <a:t>‹#›</a:t>
             </a:fld>
             <a:endParaRPr lang="en-US"/>
@@ -2665,7 +2688,8 @@
           <a:p>
             <a:fld id="{3CBAA8D8-F624-44BE-BFA5-F7FAA6844F71}" type="datetimeFigureOut">
               <a:rPr lang="en-US" smtClean="0"/>
-              <a:t>10/26/2009</a:t>
+              <a:pPr/>
+              <a:t>10/29/2009</a:t>
             </a:fld>
             <a:endParaRPr lang="en-US"/>
           </a:p>
@@ -2743,6 +2767,7 @@
           <a:p>
             <a:fld id="{A56ACC3E-5778-454B-9AF5-533DE6392807}" type="slidenum">
               <a:rPr lang="en-US" smtClean="0"/>
+              <a:pPr/>
               <a:t>‹#›</a:t>
             </a:fld>
             <a:endParaRPr lang="en-US"/>
@@ -4171,6 +4196,478 @@
 </p:sld>
 </file>
 
+<file path=ppt/slides/slide2.xml><?xml version="1.0" encoding="utf-8"?>
+<p:sld xmlns:a="http://schemas.openxmlformats.org/drawingml/2006/main" xmlns:r="http://schemas.openxmlformats.org/officeDocument/2006/relationships" xmlns:p="http://schemas.openxmlformats.org/presentationml/2006/main">
+  <p:cSld>
+    <p:spTree>
+      <p:nvGrpSpPr>
+        <p:cNvPr id="1" name=""/>
+        <p:cNvGrpSpPr/>
+        <p:nvPr/>
+      </p:nvGrpSpPr>
+      <p:grpSpPr>
+        <a:xfrm>
+          <a:off x="0" y="0"/>
+          <a:ext cx="0" cy="0"/>
+          <a:chOff x="0" y="0"/>
+          <a:chExt cx="0" cy="0"/>
+        </a:xfrm>
+      </p:grpSpPr>
+      <p:pic>
+        <p:nvPicPr>
+          <p:cNvPr id="1028" name="Picture 4"/>
+          <p:cNvPicPr>
+            <a:picLocks noChangeAspect="1" noChangeArrowheads="1"/>
+          </p:cNvPicPr>
+          <p:nvPr/>
+        </p:nvPicPr>
+        <p:blipFill>
+          <a:blip r:embed="rId2" cstate="print"/>
+          <a:srcRect/>
+          <a:stretch>
+            <a:fillRect/>
+          </a:stretch>
+        </p:blipFill>
+        <p:spPr bwMode="auto">
+          <a:xfrm>
+            <a:off x="4648200" y="1676400"/>
+            <a:ext cx="910467" cy="914400"/>
+          </a:xfrm>
+          <a:prstGeom prst="rect">
+            <a:avLst/>
+          </a:prstGeom>
+          <a:noFill/>
+          <a:ln w="9525">
+            <a:solidFill>
+              <a:schemeClr val="tx1"/>
+            </a:solidFill>
+            <a:miter lim="800000"/>
+            <a:headEnd/>
+            <a:tailEnd/>
+          </a:ln>
+        </p:spPr>
+      </p:pic>
+      <p:pic>
+        <p:nvPicPr>
+          <p:cNvPr id="1029" name="Picture 5"/>
+          <p:cNvPicPr>
+            <a:picLocks noChangeAspect="1" noChangeArrowheads="1"/>
+          </p:cNvPicPr>
+          <p:nvPr/>
+        </p:nvPicPr>
+        <p:blipFill>
+          <a:blip r:embed="rId3" cstate="print"/>
+          <a:srcRect/>
+          <a:stretch>
+            <a:fillRect/>
+          </a:stretch>
+        </p:blipFill>
+        <p:spPr bwMode="auto">
+          <a:xfrm>
+            <a:off x="7385831" y="1676400"/>
+            <a:ext cx="1072369" cy="914400"/>
+          </a:xfrm>
+          <a:prstGeom prst="rect">
+            <a:avLst/>
+          </a:prstGeom>
+          <a:noFill/>
+          <a:ln w="9525">
+            <a:solidFill>
+              <a:schemeClr val="tx1"/>
+            </a:solidFill>
+            <a:miter lim="800000"/>
+            <a:headEnd/>
+            <a:tailEnd/>
+          </a:ln>
+        </p:spPr>
+      </p:pic>
+      <p:pic>
+        <p:nvPicPr>
+          <p:cNvPr id="1031" name="Picture 7"/>
+          <p:cNvPicPr>
+            <a:picLocks noChangeAspect="1" noChangeArrowheads="1"/>
+          </p:cNvPicPr>
+          <p:nvPr/>
+        </p:nvPicPr>
+        <p:blipFill>
+          <a:blip r:embed="rId4" cstate="print"/>
+          <a:srcRect/>
+          <a:stretch>
+            <a:fillRect/>
+          </a:stretch>
+        </p:blipFill>
+        <p:spPr bwMode="auto">
+          <a:xfrm>
+            <a:off x="6395231" y="1676400"/>
+            <a:ext cx="930268" cy="914400"/>
+          </a:xfrm>
+          <a:prstGeom prst="rect">
+            <a:avLst/>
+          </a:prstGeom>
+          <a:noFill/>
+          <a:ln w="9525">
+            <a:solidFill>
+              <a:schemeClr val="tx1"/>
+            </a:solidFill>
+            <a:miter lim="800000"/>
+            <a:headEnd/>
+            <a:tailEnd/>
+          </a:ln>
+        </p:spPr>
+      </p:pic>
+      <p:pic>
+        <p:nvPicPr>
+          <p:cNvPr id="1034" name="Picture 10"/>
+          <p:cNvPicPr>
+            <a:picLocks noChangeAspect="1" noChangeArrowheads="1"/>
+          </p:cNvPicPr>
+          <p:nvPr/>
+        </p:nvPicPr>
+        <p:blipFill>
+          <a:blip r:embed="rId5" cstate="print"/>
+          <a:srcRect/>
+          <a:stretch>
+            <a:fillRect/>
+          </a:stretch>
+        </p:blipFill>
+        <p:spPr bwMode="auto">
+          <a:xfrm>
+            <a:off x="3352800" y="1676400"/>
+            <a:ext cx="1244252" cy="914400"/>
+          </a:xfrm>
+          <a:prstGeom prst="rect">
+            <a:avLst/>
+          </a:prstGeom>
+          <a:noFill/>
+          <a:ln w="9525">
+            <a:solidFill>
+              <a:schemeClr val="tx1"/>
+            </a:solidFill>
+            <a:miter lim="800000"/>
+            <a:headEnd/>
+            <a:tailEnd/>
+          </a:ln>
+        </p:spPr>
+      </p:pic>
+      <p:sp>
+        <p:nvSpPr>
+          <p:cNvPr id="15" name="TextBox 14"/>
+          <p:cNvSpPr txBox="1"/>
+          <p:nvPr/>
+        </p:nvSpPr>
+        <p:spPr>
+          <a:xfrm>
+            <a:off x="4724400" y="2590800"/>
+            <a:ext cx="628698" cy="307777"/>
+          </a:xfrm>
+          <a:prstGeom prst="rect">
+            <a:avLst/>
+          </a:prstGeom>
+          <a:noFill/>
+        </p:spPr>
+        <p:txBody>
+          <a:bodyPr wrap="none" rtlCol="0">
+            <a:spAutoFit/>
+          </a:bodyPr>
+          <a:lstStyle/>
+          <a:p>
+            <a:r>
+              <a:rPr lang="en-US" sz="1400" b="1" dirty="0" smtClean="0"/>
+              <a:t>Office</a:t>
+            </a:r>
+            <a:endParaRPr lang="en-US" sz="1400" b="1" dirty="0"/>
+          </a:p>
+        </p:txBody>
+      </p:sp>
+      <p:sp>
+        <p:nvSpPr>
+          <p:cNvPr id="16" name="TextBox 15"/>
+          <p:cNvSpPr txBox="1"/>
+          <p:nvPr/>
+        </p:nvSpPr>
+        <p:spPr>
+          <a:xfrm>
+            <a:off x="7538231" y="2590800"/>
+            <a:ext cx="762000" cy="307777"/>
+          </a:xfrm>
+          <a:prstGeom prst="rect">
+            <a:avLst/>
+          </a:prstGeom>
+          <a:noFill/>
+        </p:spPr>
+        <p:txBody>
+          <a:bodyPr wrap="square" rtlCol="0">
+            <a:spAutoFit/>
+          </a:bodyPr>
+          <a:lstStyle/>
+          <a:p>
+            <a:r>
+              <a:rPr lang="en-US" sz="1400" b="1" dirty="0" smtClean="0"/>
+              <a:t>Skype</a:t>
+            </a:r>
+          </a:p>
+        </p:txBody>
+      </p:sp>
+      <p:sp>
+        <p:nvSpPr>
+          <p:cNvPr id="17" name="TextBox 16"/>
+          <p:cNvSpPr txBox="1"/>
+          <p:nvPr/>
+        </p:nvSpPr>
+        <p:spPr>
+          <a:xfrm>
+            <a:off x="6471431" y="2590800"/>
+            <a:ext cx="689612" cy="307777"/>
+          </a:xfrm>
+          <a:prstGeom prst="rect">
+            <a:avLst/>
+          </a:prstGeom>
+          <a:noFill/>
+        </p:spPr>
+        <p:txBody>
+          <a:bodyPr wrap="none" rtlCol="0">
+            <a:spAutoFit/>
+          </a:bodyPr>
+          <a:lstStyle/>
+          <a:p>
+            <a:r>
+              <a:rPr lang="en-US" sz="1400" b="1" dirty="0" smtClean="0"/>
+              <a:t>Firefox</a:t>
+            </a:r>
+            <a:endParaRPr lang="en-US" sz="1400" b="1" dirty="0"/>
+          </a:p>
+        </p:txBody>
+      </p:sp>
+      <p:sp>
+        <p:nvSpPr>
+          <p:cNvPr id="18" name="TextBox 17"/>
+          <p:cNvSpPr txBox="1"/>
+          <p:nvPr/>
+        </p:nvSpPr>
+        <p:spPr>
+          <a:xfrm>
+            <a:off x="3657600" y="2590800"/>
+            <a:ext cx="530915" cy="307777"/>
+          </a:xfrm>
+          <a:prstGeom prst="rect">
+            <a:avLst/>
+          </a:prstGeom>
+          <a:noFill/>
+        </p:spPr>
+        <p:txBody>
+          <a:bodyPr wrap="none" rtlCol="0">
+            <a:spAutoFit/>
+          </a:bodyPr>
+          <a:lstStyle/>
+          <a:p>
+            <a:r>
+              <a:rPr lang="en-US" sz="1400" b="1" dirty="0" smtClean="0"/>
+              <a:t>OS X</a:t>
+            </a:r>
+            <a:endParaRPr lang="en-US" sz="1400" b="1" dirty="0"/>
+          </a:p>
+        </p:txBody>
+      </p:sp>
+      <p:pic>
+        <p:nvPicPr>
+          <p:cNvPr id="1035" name="Picture 11"/>
+          <p:cNvPicPr>
+            <a:picLocks noChangeAspect="1" noChangeArrowheads="1"/>
+          </p:cNvPicPr>
+          <p:nvPr/>
+        </p:nvPicPr>
+        <p:blipFill>
+          <a:blip r:embed="rId6" cstate="print"/>
+          <a:srcRect/>
+          <a:stretch>
+            <a:fillRect/>
+          </a:stretch>
+        </p:blipFill>
+        <p:spPr bwMode="auto">
+          <a:xfrm>
+            <a:off x="2057400" y="1676400"/>
+            <a:ext cx="1219200" cy="914400"/>
+          </a:xfrm>
+          <a:prstGeom prst="rect">
+            <a:avLst/>
+          </a:prstGeom>
+          <a:noFill/>
+          <a:ln w="9525">
+            <a:solidFill>
+              <a:schemeClr val="tx1"/>
+            </a:solidFill>
+            <a:miter lim="800000"/>
+            <a:headEnd/>
+            <a:tailEnd/>
+          </a:ln>
+        </p:spPr>
+      </p:pic>
+      <p:sp>
+        <p:nvSpPr>
+          <p:cNvPr id="21" name="TextBox 20"/>
+          <p:cNvSpPr txBox="1"/>
+          <p:nvPr/>
+        </p:nvSpPr>
+        <p:spPr>
+          <a:xfrm>
+            <a:off x="2362200" y="2590800"/>
+            <a:ext cx="554447" cy="307777"/>
+          </a:xfrm>
+          <a:prstGeom prst="rect">
+            <a:avLst/>
+          </a:prstGeom>
+          <a:noFill/>
+        </p:spPr>
+        <p:txBody>
+          <a:bodyPr wrap="none" rtlCol="0">
+            <a:spAutoFit/>
+          </a:bodyPr>
+          <a:lstStyle/>
+          <a:p>
+            <a:r>
+              <a:rPr lang="en-US" sz="1400" b="1" dirty="0" smtClean="0"/>
+              <a:t>Vista</a:t>
+            </a:r>
+            <a:endParaRPr lang="en-US" sz="1400" b="1" dirty="0"/>
+          </a:p>
+        </p:txBody>
+      </p:sp>
+      <p:pic>
+        <p:nvPicPr>
+          <p:cNvPr id="1036" name="Picture 12"/>
+          <p:cNvPicPr>
+            <a:picLocks noChangeAspect="1" noChangeArrowheads="1"/>
+          </p:cNvPicPr>
+          <p:nvPr/>
+        </p:nvPicPr>
+        <p:blipFill>
+          <a:blip r:embed="rId7" cstate="print"/>
+          <a:srcRect/>
+          <a:stretch>
+            <a:fillRect/>
+          </a:stretch>
+        </p:blipFill>
+        <p:spPr bwMode="auto">
+          <a:xfrm>
+            <a:off x="1169293" y="1676400"/>
+            <a:ext cx="811907" cy="914400"/>
+          </a:xfrm>
+          <a:prstGeom prst="rect">
+            <a:avLst/>
+          </a:prstGeom>
+          <a:noFill/>
+          <a:ln w="9525">
+            <a:solidFill>
+              <a:schemeClr val="tx1"/>
+            </a:solidFill>
+            <a:miter lim="800000"/>
+            <a:headEnd/>
+            <a:tailEnd/>
+          </a:ln>
+        </p:spPr>
+      </p:pic>
+      <p:sp>
+        <p:nvSpPr>
+          <p:cNvPr id="23" name="TextBox 22"/>
+          <p:cNvSpPr txBox="1"/>
+          <p:nvPr/>
+        </p:nvSpPr>
+        <p:spPr>
+          <a:xfrm>
+            <a:off x="1397893" y="2590800"/>
+            <a:ext cx="380232" cy="307777"/>
+          </a:xfrm>
+          <a:prstGeom prst="rect">
+            <a:avLst/>
+          </a:prstGeom>
+          <a:noFill/>
+        </p:spPr>
+        <p:txBody>
+          <a:bodyPr wrap="none" rtlCol="0">
+            <a:spAutoFit/>
+          </a:bodyPr>
+          <a:lstStyle/>
+          <a:p>
+            <a:r>
+              <a:rPr lang="en-US" sz="1400" b="1" dirty="0" smtClean="0"/>
+              <a:t>XP</a:t>
+            </a:r>
+            <a:endParaRPr lang="en-US" sz="1400" b="1" dirty="0"/>
+          </a:p>
+        </p:txBody>
+      </p:sp>
+      <p:pic>
+        <p:nvPicPr>
+          <p:cNvPr id="1037" name="Picture 13"/>
+          <p:cNvPicPr>
+            <a:picLocks noChangeAspect="1" noChangeArrowheads="1"/>
+          </p:cNvPicPr>
+          <p:nvPr/>
+        </p:nvPicPr>
+        <p:blipFill>
+          <a:blip r:embed="rId8" cstate="print"/>
+          <a:srcRect/>
+          <a:stretch>
+            <a:fillRect/>
+          </a:stretch>
+        </p:blipFill>
+        <p:spPr bwMode="auto">
+          <a:xfrm>
+            <a:off x="5618717" y="1676400"/>
+            <a:ext cx="705883" cy="914400"/>
+          </a:xfrm>
+          <a:prstGeom prst="rect">
+            <a:avLst/>
+          </a:prstGeom>
+          <a:noFill/>
+          <a:ln w="9525">
+            <a:solidFill>
+              <a:schemeClr val="tx1"/>
+            </a:solidFill>
+            <a:miter lim="800000"/>
+            <a:headEnd/>
+            <a:tailEnd/>
+          </a:ln>
+        </p:spPr>
+      </p:pic>
+      <p:sp>
+        <p:nvSpPr>
+          <p:cNvPr id="25" name="TextBox 24"/>
+          <p:cNvSpPr txBox="1"/>
+          <p:nvPr/>
+        </p:nvSpPr>
+        <p:spPr>
+          <a:xfrm>
+            <a:off x="5771117" y="2590800"/>
+            <a:ext cx="320922" cy="307777"/>
+          </a:xfrm>
+          <a:prstGeom prst="rect">
+            <a:avLst/>
+          </a:prstGeom>
+          <a:noFill/>
+        </p:spPr>
+        <p:txBody>
+          <a:bodyPr wrap="none" rtlCol="0">
+            <a:spAutoFit/>
+          </a:bodyPr>
+          <a:lstStyle/>
+          <a:p>
+            <a:r>
+              <a:rPr lang="en-US" sz="1400" b="1" dirty="0" smtClean="0"/>
+              <a:t>IE</a:t>
+            </a:r>
+            <a:endParaRPr lang="en-US" sz="1400" b="1" dirty="0"/>
+          </a:p>
+        </p:txBody>
+      </p:sp>
+    </p:spTree>
+  </p:cSld>
+  <p:clrMapOvr>
+    <a:masterClrMapping/>
+  </p:clrMapOvr>
+</p:sld>
+</file>
+
 <file path=ppt/theme/theme1.xml><?xml version="1.0" encoding="utf-8"?>
 <a:theme xmlns:a="http://schemas.openxmlformats.org/drawingml/2006/main" name="Office Theme">
   <a:themeElements>

--- a/figure/figures.pptx
+++ b/figure/figures.pptx
@@ -7,6 +7,9 @@
   <p:sldIdLst>
     <p:sldId id="256" r:id="rId2"/>
     <p:sldId id="257" r:id="rId3"/>
+    <p:sldId id="258" r:id="rId4"/>
+    <p:sldId id="259" r:id="rId5"/>
+    <p:sldId id="260" r:id="rId6"/>
   </p:sldIdLst>
   <p:sldSz cx="9144000" cy="6858000" type="screen4x3"/>
   <p:notesSz cx="6858000" cy="9144000"/>
@@ -290,7 +293,7 @@
             <a:fld id="{3CBAA8D8-F624-44BE-BFA5-F7FAA6844F71}" type="datetimeFigureOut">
               <a:rPr lang="en-US" smtClean="0"/>
               <a:pPr/>
-              <a:t>10/29/2009</a:t>
+              <a:t>11/1/2009</a:t>
             </a:fld>
             <a:endParaRPr lang="en-US"/>
           </a:p>
@@ -457,7 +460,7 @@
             <a:fld id="{3CBAA8D8-F624-44BE-BFA5-F7FAA6844F71}" type="datetimeFigureOut">
               <a:rPr lang="en-US" smtClean="0"/>
               <a:pPr/>
-              <a:t>10/29/2009</a:t>
+              <a:t>11/1/2009</a:t>
             </a:fld>
             <a:endParaRPr lang="en-US"/>
           </a:p>
@@ -634,7 +637,7 @@
             <a:fld id="{3CBAA8D8-F624-44BE-BFA5-F7FAA6844F71}" type="datetimeFigureOut">
               <a:rPr lang="en-US" smtClean="0"/>
               <a:pPr/>
-              <a:t>10/29/2009</a:t>
+              <a:t>11/1/2009</a:t>
             </a:fld>
             <a:endParaRPr lang="en-US"/>
           </a:p>
@@ -801,7 +804,7 @@
             <a:fld id="{3CBAA8D8-F624-44BE-BFA5-F7FAA6844F71}" type="datetimeFigureOut">
               <a:rPr lang="en-US" smtClean="0"/>
               <a:pPr/>
-              <a:t>10/29/2009</a:t>
+              <a:t>11/1/2009</a:t>
             </a:fld>
             <a:endParaRPr lang="en-US"/>
           </a:p>
@@ -1044,7 +1047,7 @@
             <a:fld id="{3CBAA8D8-F624-44BE-BFA5-F7FAA6844F71}" type="datetimeFigureOut">
               <a:rPr lang="en-US" smtClean="0"/>
               <a:pPr/>
-              <a:t>10/29/2009</a:t>
+              <a:t>11/1/2009</a:t>
             </a:fld>
             <a:endParaRPr lang="en-US"/>
           </a:p>
@@ -1329,7 +1332,7 @@
             <a:fld id="{3CBAA8D8-F624-44BE-BFA5-F7FAA6844F71}" type="datetimeFigureOut">
               <a:rPr lang="en-US" smtClean="0"/>
               <a:pPr/>
-              <a:t>10/29/2009</a:t>
+              <a:t>11/1/2009</a:t>
             </a:fld>
             <a:endParaRPr lang="en-US"/>
           </a:p>
@@ -1748,7 +1751,7 @@
             <a:fld id="{3CBAA8D8-F624-44BE-BFA5-F7FAA6844F71}" type="datetimeFigureOut">
               <a:rPr lang="en-US" smtClean="0"/>
               <a:pPr/>
-              <a:t>10/29/2009</a:t>
+              <a:t>11/1/2009</a:t>
             </a:fld>
             <a:endParaRPr lang="en-US"/>
           </a:p>
@@ -1863,7 +1866,7 @@
             <a:fld id="{3CBAA8D8-F624-44BE-BFA5-F7FAA6844F71}" type="datetimeFigureOut">
               <a:rPr lang="en-US" smtClean="0"/>
               <a:pPr/>
-              <a:t>10/29/2009</a:t>
+              <a:t>11/1/2009</a:t>
             </a:fld>
             <a:endParaRPr lang="en-US"/>
           </a:p>
@@ -1955,7 +1958,7 @@
             <a:fld id="{3CBAA8D8-F624-44BE-BFA5-F7FAA6844F71}" type="datetimeFigureOut">
               <a:rPr lang="en-US" smtClean="0"/>
               <a:pPr/>
-              <a:t>10/29/2009</a:t>
+              <a:t>11/1/2009</a:t>
             </a:fld>
             <a:endParaRPr lang="en-US"/>
           </a:p>
@@ -2229,7 +2232,7 @@
             <a:fld id="{3CBAA8D8-F624-44BE-BFA5-F7FAA6844F71}" type="datetimeFigureOut">
               <a:rPr lang="en-US" smtClean="0"/>
               <a:pPr/>
-              <a:t>10/29/2009</a:t>
+              <a:t>11/1/2009</a:t>
             </a:fld>
             <a:endParaRPr lang="en-US"/>
           </a:p>
@@ -2479,7 +2482,7 @@
             <a:fld id="{3CBAA8D8-F624-44BE-BFA5-F7FAA6844F71}" type="datetimeFigureOut">
               <a:rPr lang="en-US" smtClean="0"/>
               <a:pPr/>
-              <a:t>10/29/2009</a:t>
+              <a:t>11/1/2009</a:t>
             </a:fld>
             <a:endParaRPr lang="en-US"/>
           </a:p>
@@ -2689,7 +2692,7 @@
             <a:fld id="{3CBAA8D8-F624-44BE-BFA5-F7FAA6844F71}" type="datetimeFigureOut">
               <a:rPr lang="en-US" smtClean="0"/>
               <a:pPr/>
-              <a:t>10/29/2009</a:t>
+              <a:t>11/1/2009</a:t>
             </a:fld>
             <a:endParaRPr lang="en-US"/>
           </a:p>
@@ -4668,6 +4671,408 @@
 </p:sld>
 </file>
 
+<file path=ppt/slides/slide3.xml><?xml version="1.0" encoding="utf-8"?>
+<p:sld xmlns:a="http://schemas.openxmlformats.org/drawingml/2006/main" xmlns:r="http://schemas.openxmlformats.org/officeDocument/2006/relationships" xmlns:p="http://schemas.openxmlformats.org/presentationml/2006/main">
+  <p:cSld>
+    <p:spTree>
+      <p:nvGrpSpPr>
+        <p:cNvPr id="1" name=""/>
+        <p:cNvGrpSpPr/>
+        <p:nvPr/>
+      </p:nvGrpSpPr>
+      <p:grpSpPr>
+        <a:xfrm>
+          <a:off x="0" y="0"/>
+          <a:ext cx="0" cy="0"/>
+          <a:chOff x="0" y="0"/>
+          <a:chExt cx="0" cy="0"/>
+        </a:xfrm>
+      </p:grpSpPr>
+      <p:pic>
+        <p:nvPicPr>
+          <p:cNvPr id="1031" name="Picture 7"/>
+          <p:cNvPicPr>
+            <a:picLocks noChangeAspect="1" noChangeArrowheads="1"/>
+          </p:cNvPicPr>
+          <p:nvPr/>
+        </p:nvPicPr>
+        <p:blipFill>
+          <a:blip r:embed="rId2" cstate="print"/>
+          <a:srcRect/>
+          <a:stretch>
+            <a:fillRect/>
+          </a:stretch>
+        </p:blipFill>
+        <p:spPr bwMode="auto">
+          <a:xfrm>
+            <a:off x="3886200" y="1600200"/>
+            <a:ext cx="1737360" cy="1387891"/>
+          </a:xfrm>
+          <a:prstGeom prst="rect">
+            <a:avLst/>
+          </a:prstGeom>
+          <a:noFill/>
+          <a:ln w="9525">
+            <a:solidFill>
+              <a:schemeClr val="tx1"/>
+            </a:solidFill>
+            <a:miter lim="800000"/>
+            <a:headEnd/>
+            <a:tailEnd/>
+          </a:ln>
+        </p:spPr>
+      </p:pic>
+      <p:pic>
+        <p:nvPicPr>
+          <p:cNvPr id="1029" name="Picture 5"/>
+          <p:cNvPicPr>
+            <a:picLocks noChangeAspect="1" noChangeArrowheads="1"/>
+          </p:cNvPicPr>
+          <p:nvPr/>
+        </p:nvPicPr>
+        <p:blipFill>
+          <a:blip r:embed="rId3" cstate="print"/>
+          <a:srcRect/>
+          <a:stretch>
+            <a:fillRect/>
+          </a:stretch>
+        </p:blipFill>
+        <p:spPr bwMode="auto">
+          <a:xfrm>
+            <a:off x="1920240" y="1600200"/>
+            <a:ext cx="1737360" cy="1455039"/>
+          </a:xfrm>
+          <a:prstGeom prst="rect">
+            <a:avLst/>
+          </a:prstGeom>
+          <a:noFill/>
+          <a:ln w="9525">
+            <a:solidFill>
+              <a:schemeClr val="tx1"/>
+            </a:solidFill>
+            <a:miter lim="800000"/>
+            <a:headEnd/>
+            <a:tailEnd/>
+          </a:ln>
+        </p:spPr>
+      </p:pic>
+      <p:pic>
+        <p:nvPicPr>
+          <p:cNvPr id="1027" name="Picture 3"/>
+          <p:cNvPicPr>
+            <a:picLocks noChangeAspect="1" noChangeArrowheads="1"/>
+          </p:cNvPicPr>
+          <p:nvPr/>
+        </p:nvPicPr>
+        <p:blipFill>
+          <a:blip r:embed="rId4" cstate="print"/>
+          <a:srcRect/>
+          <a:stretch>
+            <a:fillRect/>
+          </a:stretch>
+        </p:blipFill>
+        <p:spPr bwMode="auto">
+          <a:xfrm>
+            <a:off x="1847850" y="2438400"/>
+            <a:ext cx="1885950" cy="1447800"/>
+          </a:xfrm>
+          <a:prstGeom prst="rect">
+            <a:avLst/>
+          </a:prstGeom>
+          <a:noFill/>
+          <a:ln w="9525">
+            <a:solidFill>
+              <a:schemeClr val="tx1"/>
+            </a:solidFill>
+            <a:miter lim="800000"/>
+            <a:headEnd/>
+            <a:tailEnd/>
+          </a:ln>
+          <a:effectLst>
+            <a:outerShdw blurRad="50800" dist="38100" dir="13500000" algn="br" rotWithShape="0">
+              <a:prstClr val="black">
+                <a:alpha val="40000"/>
+              </a:prstClr>
+            </a:outerShdw>
+          </a:effectLst>
+        </p:spPr>
+      </p:pic>
+      <p:pic>
+        <p:nvPicPr>
+          <p:cNvPr id="1030" name="Picture 6"/>
+          <p:cNvPicPr>
+            <a:picLocks noChangeAspect="1" noChangeArrowheads="1"/>
+          </p:cNvPicPr>
+          <p:nvPr/>
+        </p:nvPicPr>
+        <p:blipFill>
+          <a:blip r:embed="rId5" cstate="print"/>
+          <a:srcRect/>
+          <a:stretch>
+            <a:fillRect/>
+          </a:stretch>
+        </p:blipFill>
+        <p:spPr bwMode="auto">
+          <a:xfrm>
+            <a:off x="3800475" y="2362200"/>
+            <a:ext cx="1914525" cy="1609725"/>
+          </a:xfrm>
+          <a:prstGeom prst="rect">
+            <a:avLst/>
+          </a:prstGeom>
+          <a:noFill/>
+          <a:ln w="9525">
+            <a:solidFill>
+              <a:schemeClr val="tx1"/>
+            </a:solidFill>
+            <a:miter lim="800000"/>
+            <a:headEnd/>
+            <a:tailEnd/>
+          </a:ln>
+          <a:effectLst>
+            <a:outerShdw blurRad="50800" dist="38100" dir="13500000" algn="br" rotWithShape="0">
+              <a:prstClr val="black">
+                <a:alpha val="40000"/>
+              </a:prstClr>
+            </a:outerShdw>
+          </a:effectLst>
+        </p:spPr>
+      </p:pic>
+    </p:spTree>
+  </p:cSld>
+  <p:clrMapOvr>
+    <a:masterClrMapping/>
+  </p:clrMapOvr>
+</p:sld>
+</file>
+
+<file path=ppt/slides/slide4.xml><?xml version="1.0" encoding="utf-8"?>
+<p:sld xmlns:a="http://schemas.openxmlformats.org/drawingml/2006/main" xmlns:r="http://schemas.openxmlformats.org/officeDocument/2006/relationships" xmlns:p="http://schemas.openxmlformats.org/presentationml/2006/main">
+  <p:cSld>
+    <p:spTree>
+      <p:nvGrpSpPr>
+        <p:cNvPr id="1" name=""/>
+        <p:cNvGrpSpPr/>
+        <p:nvPr/>
+      </p:nvGrpSpPr>
+      <p:grpSpPr>
+        <a:xfrm>
+          <a:off x="0" y="0"/>
+          <a:ext cx="0" cy="0"/>
+          <a:chOff x="0" y="0"/>
+          <a:chExt cx="0" cy="0"/>
+        </a:xfrm>
+      </p:grpSpPr>
+      <p:pic>
+        <p:nvPicPr>
+          <p:cNvPr id="4" name="Picture 6"/>
+          <p:cNvPicPr>
+            <a:picLocks noChangeAspect="1" noChangeArrowheads="1"/>
+          </p:cNvPicPr>
+          <p:nvPr/>
+        </p:nvPicPr>
+        <p:blipFill>
+          <a:blip r:embed="rId2" cstate="print"/>
+          <a:srcRect t="28391" r="75092" b="41190"/>
+          <a:stretch>
+            <a:fillRect/>
+          </a:stretch>
+        </p:blipFill>
+        <p:spPr bwMode="auto">
+          <a:xfrm>
+            <a:off x="2698750" y="2667000"/>
+            <a:ext cx="958850" cy="1143000"/>
+          </a:xfrm>
+          <a:prstGeom prst="rect">
+            <a:avLst/>
+          </a:prstGeom>
+          <a:noFill/>
+          <a:ln w="9525">
+            <a:noFill/>
+            <a:miter lim="800000"/>
+            <a:headEnd/>
+            <a:tailEnd/>
+          </a:ln>
+        </p:spPr>
+      </p:pic>
+      <p:sp>
+        <p:nvSpPr>
+          <p:cNvPr id="8" name="Freeform 7"/>
+          <p:cNvSpPr/>
+          <p:nvPr/>
+        </p:nvSpPr>
+        <p:spPr>
+          <a:xfrm>
+            <a:off x="3713692" y="2349500"/>
+            <a:ext cx="581554" cy="1547283"/>
+          </a:xfrm>
+          <a:custGeom>
+            <a:avLst/>
+            <a:gdLst>
+              <a:gd name="connsiteX0" fmla="*/ 201083 w 581554"/>
+              <a:gd name="connsiteY0" fmla="*/ 114300 h 1547283"/>
+              <a:gd name="connsiteX1" fmla="*/ 89958 w 581554"/>
+              <a:gd name="connsiteY1" fmla="*/ 441325 h 1547283"/>
+              <a:gd name="connsiteX2" fmla="*/ 166158 w 581554"/>
+              <a:gd name="connsiteY2" fmla="*/ 762000 h 1547283"/>
+              <a:gd name="connsiteX3" fmla="*/ 102658 w 581554"/>
+              <a:gd name="connsiteY3" fmla="*/ 1050925 h 1547283"/>
+              <a:gd name="connsiteX4" fmla="*/ 150283 w 581554"/>
+              <a:gd name="connsiteY4" fmla="*/ 1355725 h 1547283"/>
+              <a:gd name="connsiteX5" fmla="*/ 153458 w 581554"/>
+              <a:gd name="connsiteY5" fmla="*/ 1362075 h 1547283"/>
+              <a:gd name="connsiteX6" fmla="*/ 67733 w 581554"/>
+              <a:gd name="connsiteY6" fmla="*/ 1508125 h 1547283"/>
+              <a:gd name="connsiteX7" fmla="*/ 559858 w 581554"/>
+              <a:gd name="connsiteY7" fmla="*/ 1127125 h 1547283"/>
+              <a:gd name="connsiteX8" fmla="*/ 201083 w 581554"/>
+              <a:gd name="connsiteY8" fmla="*/ 114300 h 1547283"/>
+            </a:gdLst>
+            <a:ahLst/>
+            <a:cxnLst>
+              <a:cxn ang="0">
+                <a:pos x="connsiteX0" y="connsiteY0"/>
+              </a:cxn>
+              <a:cxn ang="0">
+                <a:pos x="connsiteX1" y="connsiteY1"/>
+              </a:cxn>
+              <a:cxn ang="0">
+                <a:pos x="connsiteX2" y="connsiteY2"/>
+              </a:cxn>
+              <a:cxn ang="0">
+                <a:pos x="connsiteX3" y="connsiteY3"/>
+              </a:cxn>
+              <a:cxn ang="0">
+                <a:pos x="connsiteX4" y="connsiteY4"/>
+              </a:cxn>
+              <a:cxn ang="0">
+                <a:pos x="connsiteX5" y="connsiteY5"/>
+              </a:cxn>
+              <a:cxn ang="0">
+                <a:pos x="connsiteX6" y="connsiteY6"/>
+              </a:cxn>
+              <a:cxn ang="0">
+                <a:pos x="connsiteX7" y="connsiteY7"/>
+              </a:cxn>
+              <a:cxn ang="0">
+                <a:pos x="connsiteX8" y="connsiteY8"/>
+              </a:cxn>
+            </a:cxnLst>
+            <a:rect l="l" t="t" r="r" b="b"/>
+            <a:pathLst>
+              <a:path w="581554" h="1547283">
+                <a:moveTo>
+                  <a:pt x="201083" y="114300"/>
+                </a:moveTo>
+                <a:cubicBezTo>
+                  <a:pt x="122766" y="0"/>
+                  <a:pt x="95779" y="333375"/>
+                  <a:pt x="89958" y="441325"/>
+                </a:cubicBezTo>
+                <a:cubicBezTo>
+                  <a:pt x="84137" y="549275"/>
+                  <a:pt x="164041" y="660400"/>
+                  <a:pt x="166158" y="762000"/>
+                </a:cubicBezTo>
+                <a:cubicBezTo>
+                  <a:pt x="168275" y="863600"/>
+                  <a:pt x="105304" y="951971"/>
+                  <a:pt x="102658" y="1050925"/>
+                </a:cubicBezTo>
+                <a:cubicBezTo>
+                  <a:pt x="100012" y="1149879"/>
+                  <a:pt x="141816" y="1303867"/>
+                  <a:pt x="150283" y="1355725"/>
+                </a:cubicBezTo>
+                <a:cubicBezTo>
+                  <a:pt x="158750" y="1407583"/>
+                  <a:pt x="167216" y="1336675"/>
+                  <a:pt x="153458" y="1362075"/>
+                </a:cubicBezTo>
+                <a:cubicBezTo>
+                  <a:pt x="139700" y="1387475"/>
+                  <a:pt x="0" y="1547283"/>
+                  <a:pt x="67733" y="1508125"/>
+                </a:cubicBezTo>
+                <a:cubicBezTo>
+                  <a:pt x="135466" y="1468967"/>
+                  <a:pt x="538162" y="1356254"/>
+                  <a:pt x="559858" y="1127125"/>
+                </a:cubicBezTo>
+                <a:cubicBezTo>
+                  <a:pt x="581554" y="897996"/>
+                  <a:pt x="279400" y="228600"/>
+                  <a:pt x="201083" y="114300"/>
+                </a:cubicBezTo>
+                <a:close/>
+              </a:path>
+            </a:pathLst>
+          </a:custGeom>
+          <a:solidFill>
+            <a:schemeClr val="bg1"/>
+          </a:solidFill>
+          <a:ln>
+            <a:noFill/>
+          </a:ln>
+        </p:spPr>
+        <p:style>
+          <a:lnRef idx="2">
+            <a:schemeClr val="accent1">
+              <a:shade val="50000"/>
+            </a:schemeClr>
+          </a:lnRef>
+          <a:fillRef idx="1">
+            <a:schemeClr val="accent1"/>
+          </a:fillRef>
+          <a:effectRef idx="0">
+            <a:schemeClr val="accent1"/>
+          </a:effectRef>
+          <a:fontRef idx="minor">
+            <a:schemeClr val="lt1"/>
+          </a:fontRef>
+        </p:style>
+        <p:txBody>
+          <a:bodyPr rtlCol="0" anchor="ctr"/>
+          <a:lstStyle/>
+          <a:p>
+            <a:pPr algn="ctr"/>
+            <a:endParaRPr lang="en-US"/>
+          </a:p>
+        </p:txBody>
+      </p:sp>
+    </p:spTree>
+  </p:cSld>
+  <p:clrMapOvr>
+    <a:masterClrMapping/>
+  </p:clrMapOvr>
+</p:sld>
+</file>
+
+<file path=ppt/slides/slide5.xml><?xml version="1.0" encoding="utf-8"?>
+<p:sld xmlns:a="http://schemas.openxmlformats.org/drawingml/2006/main" xmlns:r="http://schemas.openxmlformats.org/officeDocument/2006/relationships" xmlns:p="http://schemas.openxmlformats.org/presentationml/2006/main">
+  <p:cSld>
+    <p:spTree>
+      <p:nvGrpSpPr>
+        <p:cNvPr id="1" name=""/>
+        <p:cNvGrpSpPr/>
+        <p:nvPr/>
+      </p:nvGrpSpPr>
+      <p:grpSpPr>
+        <a:xfrm>
+          <a:off x="0" y="0"/>
+          <a:ext cx="0" cy="0"/>
+          <a:chOff x="0" y="0"/>
+          <a:chExt cx="0" cy="0"/>
+        </a:xfrm>
+      </p:grpSpPr>
+    </p:spTree>
+  </p:cSld>
+  <p:clrMapOvr>
+    <a:masterClrMapping/>
+  </p:clrMapOvr>
+</p:sld>
+</file>
+
 <file path=ppt/theme/theme1.xml><?xml version="1.0" encoding="utf-8"?>
 <a:theme xmlns:a="http://schemas.openxmlformats.org/drawingml/2006/main" name="Office Theme">
   <a:themeElements>

--- a/figure/figures.pptx
+++ b/figure/figures.pptx
@@ -8,8 +8,11 @@
     <p:sldId id="256" r:id="rId2"/>
     <p:sldId id="257" r:id="rId3"/>
     <p:sldId id="258" r:id="rId4"/>
-    <p:sldId id="259" r:id="rId5"/>
-    <p:sldId id="260" r:id="rId6"/>
+    <p:sldId id="262" r:id="rId5"/>
+    <p:sldId id="259" r:id="rId6"/>
+    <p:sldId id="260" r:id="rId7"/>
+    <p:sldId id="263" r:id="rId8"/>
+    <p:sldId id="261" r:id="rId9"/>
   </p:sldIdLst>
   <p:sldSz cx="9144000" cy="6858000" type="screen4x3"/>
   <p:notesSz cx="6858000" cy="9144000"/>
@@ -4663,6 +4666,226 @@
           </a:p>
         </p:txBody>
       </p:sp>
+      <p:pic>
+        <p:nvPicPr>
+          <p:cNvPr id="2051" name="Picture 3" descr="C:\cygwin\home\tomyeh\svn\mmdb2\query_import\app\13.png"/>
+          <p:cNvPicPr>
+            <a:picLocks noChangeAspect="1" noChangeArrowheads="1"/>
+          </p:cNvPicPr>
+          <p:nvPr/>
+        </p:nvPicPr>
+        <p:blipFill>
+          <a:blip r:embed="rId9" cstate="print"/>
+          <a:srcRect/>
+          <a:stretch>
+            <a:fillRect/>
+          </a:stretch>
+        </p:blipFill>
+        <p:spPr bwMode="auto">
+          <a:xfrm>
+            <a:off x="6061286" y="4013835"/>
+            <a:ext cx="1173108" cy="914400"/>
+          </a:xfrm>
+          <a:prstGeom prst="rect">
+            <a:avLst/>
+          </a:prstGeom>
+          <a:noFill/>
+          <a:ln>
+            <a:solidFill>
+              <a:schemeClr val="tx1"/>
+            </a:solidFill>
+          </a:ln>
+        </p:spPr>
+      </p:pic>
+      <p:pic>
+        <p:nvPicPr>
+          <p:cNvPr id="2052" name="Picture 4" descr="C:\cygwin\home\tomyeh\svn\mmdb2\query_import\vista\55.png"/>
+          <p:cNvPicPr>
+            <a:picLocks noChangeAspect="1" noChangeArrowheads="1"/>
+          </p:cNvPicPr>
+          <p:nvPr/>
+        </p:nvPicPr>
+        <p:blipFill>
+          <a:blip r:embed="rId10" cstate="print"/>
+          <a:srcRect/>
+          <a:stretch>
+            <a:fillRect/>
+          </a:stretch>
+        </p:blipFill>
+        <p:spPr bwMode="auto">
+          <a:xfrm>
+            <a:off x="2290606" y="4013835"/>
+            <a:ext cx="644457" cy="914400"/>
+          </a:xfrm>
+          <a:prstGeom prst="rect">
+            <a:avLst/>
+          </a:prstGeom>
+          <a:noFill/>
+          <a:ln>
+            <a:solidFill>
+              <a:schemeClr val="tx1"/>
+            </a:solidFill>
+          </a:ln>
+        </p:spPr>
+      </p:pic>
+      <p:pic>
+        <p:nvPicPr>
+          <p:cNvPr id="2054" name="Picture 6" descr="C:\cygwin\home\tomyeh\svn\mmdb2\query_import\vista\136.png"/>
+          <p:cNvPicPr>
+            <a:picLocks noChangeAspect="1" noChangeArrowheads="1"/>
+          </p:cNvPicPr>
+          <p:nvPr/>
+        </p:nvPicPr>
+        <p:blipFill>
+          <a:blip r:embed="rId11" cstate="print"/>
+          <a:srcRect/>
+          <a:stretch>
+            <a:fillRect/>
+          </a:stretch>
+        </p:blipFill>
+        <p:spPr bwMode="auto">
+          <a:xfrm>
+            <a:off x="1069400" y="4013835"/>
+            <a:ext cx="1216600" cy="914400"/>
+          </a:xfrm>
+          <a:prstGeom prst="rect">
+            <a:avLst/>
+          </a:prstGeom>
+          <a:noFill/>
+          <a:ln>
+            <a:solidFill>
+              <a:schemeClr val="tx1"/>
+            </a:solidFill>
+          </a:ln>
+        </p:spPr>
+      </p:pic>
+      <p:pic>
+        <p:nvPicPr>
+          <p:cNvPr id="2055" name="Picture 7" descr="C:\cygwin\home\tomyeh\svn\mmdb2\query_import\vista\173.png"/>
+          <p:cNvPicPr>
+            <a:picLocks noChangeAspect="1" noChangeArrowheads="1"/>
+          </p:cNvPicPr>
+          <p:nvPr/>
+        </p:nvPicPr>
+        <p:blipFill>
+          <a:blip r:embed="rId12" cstate="print"/>
+          <a:srcRect/>
+          <a:stretch>
+            <a:fillRect/>
+          </a:stretch>
+        </p:blipFill>
+        <p:spPr bwMode="auto">
+          <a:xfrm>
+            <a:off x="2939669" y="4013835"/>
+            <a:ext cx="707160" cy="914400"/>
+          </a:xfrm>
+          <a:prstGeom prst="rect">
+            <a:avLst/>
+          </a:prstGeom>
+          <a:noFill/>
+          <a:ln>
+            <a:solidFill>
+              <a:schemeClr val="tx1"/>
+            </a:solidFill>
+          </a:ln>
+        </p:spPr>
+      </p:pic>
+      <p:pic>
+        <p:nvPicPr>
+          <p:cNvPr id="2057" name="Picture 9" descr="C:\cygwin\home\tomyeh\svn\mmdb2\query_import\31.png"/>
+          <p:cNvPicPr>
+            <a:picLocks noChangeAspect="1" noChangeArrowheads="1"/>
+          </p:cNvPicPr>
+          <p:nvPr/>
+        </p:nvPicPr>
+        <p:blipFill>
+          <a:blip r:embed="rId13" cstate="print"/>
+          <a:srcRect/>
+          <a:stretch>
+            <a:fillRect/>
+          </a:stretch>
+        </p:blipFill>
+        <p:spPr bwMode="auto">
+          <a:xfrm>
+            <a:off x="7239000" y="4013835"/>
+            <a:ext cx="1271886" cy="914400"/>
+          </a:xfrm>
+          <a:prstGeom prst="rect">
+            <a:avLst/>
+          </a:prstGeom>
+          <a:noFill/>
+          <a:ln>
+            <a:solidFill>
+              <a:schemeClr val="tx1"/>
+            </a:solidFill>
+          </a:ln>
+        </p:spPr>
+      </p:pic>
+      <p:pic>
+        <p:nvPicPr>
+          <p:cNvPr id="2059" name="Picture 11"/>
+          <p:cNvPicPr>
+            <a:picLocks noChangeAspect="1" noChangeArrowheads="1"/>
+          </p:cNvPicPr>
+          <p:nvPr/>
+        </p:nvPicPr>
+        <p:blipFill>
+          <a:blip r:embed="rId14" cstate="print"/>
+          <a:srcRect/>
+          <a:stretch>
+            <a:fillRect/>
+          </a:stretch>
+        </p:blipFill>
+        <p:spPr bwMode="auto">
+          <a:xfrm>
+            <a:off x="4861386" y="4013835"/>
+            <a:ext cx="1195294" cy="914400"/>
+          </a:xfrm>
+          <a:prstGeom prst="rect">
+            <a:avLst/>
+          </a:prstGeom>
+          <a:noFill/>
+          <a:ln w="9525">
+            <a:solidFill>
+              <a:schemeClr val="tx1"/>
+            </a:solidFill>
+            <a:miter lim="800000"/>
+            <a:headEnd/>
+            <a:tailEnd/>
+          </a:ln>
+        </p:spPr>
+      </p:pic>
+      <p:pic>
+        <p:nvPicPr>
+          <p:cNvPr id="2060" name="Picture 12" descr="C:\cygwin\home\tomyeh\svn\mmdb2\query_import\app\154.png"/>
+          <p:cNvPicPr>
+            <a:picLocks noChangeAspect="1" noChangeArrowheads="1"/>
+          </p:cNvPicPr>
+          <p:nvPr/>
+        </p:nvPicPr>
+        <p:blipFill>
+          <a:blip r:embed="rId15" cstate="print"/>
+          <a:srcRect/>
+          <a:stretch>
+            <a:fillRect/>
+          </a:stretch>
+        </p:blipFill>
+        <p:spPr bwMode="auto">
+          <a:xfrm>
+            <a:off x="3651435" y="4013835"/>
+            <a:ext cx="1205345" cy="914400"/>
+          </a:xfrm>
+          <a:prstGeom prst="rect">
+            <a:avLst/>
+          </a:prstGeom>
+          <a:noFill/>
+          <a:ln>
+            <a:solidFill>
+              <a:schemeClr val="tx1"/>
+            </a:solidFill>
+          </a:ln>
+        </p:spPr>
+      </p:pic>
     </p:spTree>
   </p:cSld>
   <p:clrMapOvr>
@@ -4847,6 +5070,223 @@
 </file>
 
 <file path=ppt/slides/slide4.xml><?xml version="1.0" encoding="utf-8"?>
+<p:sld xmlns:a="http://schemas.openxmlformats.org/drawingml/2006/main" xmlns:r="http://schemas.openxmlformats.org/officeDocument/2006/relationships" xmlns:p="http://schemas.openxmlformats.org/presentationml/2006/main">
+  <p:cSld>
+    <p:spTree>
+      <p:nvGrpSpPr>
+        <p:cNvPr id="1" name=""/>
+        <p:cNvGrpSpPr/>
+        <p:nvPr/>
+      </p:nvGrpSpPr>
+      <p:grpSpPr>
+        <a:xfrm>
+          <a:off x="0" y="0"/>
+          <a:ext cx="0" cy="0"/>
+          <a:chOff x="0" y="0"/>
+          <a:chExt cx="0" cy="0"/>
+        </a:xfrm>
+      </p:grpSpPr>
+      <p:pic>
+        <p:nvPicPr>
+          <p:cNvPr id="3074" name="Picture 2"/>
+          <p:cNvPicPr>
+            <a:picLocks noChangeAspect="1" noChangeArrowheads="1"/>
+          </p:cNvPicPr>
+          <p:nvPr/>
+        </p:nvPicPr>
+        <p:blipFill>
+          <a:blip r:embed="rId2" cstate="print"/>
+          <a:srcRect r="-3979"/>
+          <a:stretch>
+            <a:fillRect/>
+          </a:stretch>
+        </p:blipFill>
+        <p:spPr bwMode="auto">
+          <a:xfrm>
+            <a:off x="1819275" y="2590800"/>
+            <a:ext cx="5724525" cy="914400"/>
+          </a:xfrm>
+          <a:prstGeom prst="rect">
+            <a:avLst/>
+          </a:prstGeom>
+          <a:noFill/>
+          <a:ln w="9525">
+            <a:solidFill>
+              <a:schemeClr val="tx1"/>
+            </a:solidFill>
+            <a:miter lim="800000"/>
+            <a:headEnd/>
+            <a:tailEnd/>
+          </a:ln>
+        </p:spPr>
+      </p:pic>
+      <p:pic>
+        <p:nvPicPr>
+          <p:cNvPr id="3075" name="Picture 3"/>
+          <p:cNvPicPr>
+            <a:picLocks noChangeAspect="1" noChangeArrowheads="1"/>
+          </p:cNvPicPr>
+          <p:nvPr/>
+        </p:nvPicPr>
+        <p:blipFill>
+          <a:blip r:embed="rId3" cstate="print"/>
+          <a:srcRect/>
+          <a:stretch>
+            <a:fillRect/>
+          </a:stretch>
+        </p:blipFill>
+        <p:spPr bwMode="auto">
+          <a:xfrm>
+            <a:off x="1819275" y="3581400"/>
+            <a:ext cx="5753100" cy="1609725"/>
+          </a:xfrm>
+          <a:prstGeom prst="rect">
+            <a:avLst/>
+          </a:prstGeom>
+          <a:noFill/>
+          <a:ln w="9525">
+            <a:solidFill>
+              <a:schemeClr val="tx1"/>
+            </a:solidFill>
+            <a:miter lim="800000"/>
+            <a:headEnd/>
+            <a:tailEnd/>
+          </a:ln>
+        </p:spPr>
+      </p:pic>
+      <p:pic>
+        <p:nvPicPr>
+          <p:cNvPr id="3076" name="Picture 4"/>
+          <p:cNvPicPr>
+            <a:picLocks noChangeAspect="1" noChangeArrowheads="1"/>
+          </p:cNvPicPr>
+          <p:nvPr/>
+        </p:nvPicPr>
+        <p:blipFill>
+          <a:blip r:embed="rId4" cstate="print"/>
+          <a:srcRect/>
+          <a:stretch>
+            <a:fillRect/>
+          </a:stretch>
+        </p:blipFill>
+        <p:spPr bwMode="auto">
+          <a:xfrm>
+            <a:off x="1819275" y="857250"/>
+            <a:ext cx="5705475" cy="1657350"/>
+          </a:xfrm>
+          <a:prstGeom prst="rect">
+            <a:avLst/>
+          </a:prstGeom>
+          <a:noFill/>
+          <a:ln w="9525">
+            <a:solidFill>
+              <a:schemeClr val="tx1"/>
+            </a:solidFill>
+            <a:miter lim="800000"/>
+            <a:headEnd/>
+            <a:tailEnd/>
+          </a:ln>
+        </p:spPr>
+      </p:pic>
+      <p:sp>
+        <p:nvSpPr>
+          <p:cNvPr id="7" name="TextBox 6"/>
+          <p:cNvSpPr txBox="1"/>
+          <p:nvPr/>
+        </p:nvSpPr>
+        <p:spPr>
+          <a:xfrm>
+            <a:off x="354229" y="1459468"/>
+            <a:ext cx="1474571" cy="369332"/>
+          </a:xfrm>
+          <a:prstGeom prst="rect">
+            <a:avLst/>
+          </a:prstGeom>
+          <a:noFill/>
+        </p:spPr>
+        <p:txBody>
+          <a:bodyPr wrap="none" rtlCol="0">
+            <a:spAutoFit/>
+          </a:bodyPr>
+          <a:lstStyle/>
+          <a:p>
+            <a:r>
+              <a:rPr lang="en-US" dirty="0" smtClean="0"/>
+              <a:t>Our approach</a:t>
+            </a:r>
+            <a:endParaRPr lang="en-US" dirty="0"/>
+          </a:p>
+        </p:txBody>
+      </p:sp>
+      <p:sp>
+        <p:nvSpPr>
+          <p:cNvPr id="8" name="TextBox 7"/>
+          <p:cNvSpPr txBox="1"/>
+          <p:nvPr/>
+        </p:nvSpPr>
+        <p:spPr>
+          <a:xfrm>
+            <a:off x="748504" y="2754868"/>
+            <a:ext cx="1080296" cy="369332"/>
+          </a:xfrm>
+          <a:prstGeom prst="rect">
+            <a:avLst/>
+          </a:prstGeom>
+          <a:noFill/>
+        </p:spPr>
+        <p:txBody>
+          <a:bodyPr wrap="none" rtlCol="0">
+            <a:spAutoFit/>
+          </a:bodyPr>
+          <a:lstStyle/>
+          <a:p>
+            <a:r>
+              <a:rPr lang="en-US" dirty="0" smtClean="0"/>
+              <a:t>Bing Web</a:t>
+            </a:r>
+            <a:endParaRPr lang="en-US" dirty="0"/>
+          </a:p>
+        </p:txBody>
+      </p:sp>
+      <p:sp>
+        <p:nvSpPr>
+          <p:cNvPr id="9" name="TextBox 8"/>
+          <p:cNvSpPr txBox="1"/>
+          <p:nvPr/>
+        </p:nvSpPr>
+        <p:spPr>
+          <a:xfrm>
+            <a:off x="517544" y="4202668"/>
+            <a:ext cx="1311256" cy="369332"/>
+          </a:xfrm>
+          <a:prstGeom prst="rect">
+            <a:avLst/>
+          </a:prstGeom>
+          <a:noFill/>
+        </p:spPr>
+        <p:txBody>
+          <a:bodyPr wrap="none" rtlCol="0">
+            <a:spAutoFit/>
+          </a:bodyPr>
+          <a:lstStyle/>
+          <a:p>
+            <a:r>
+              <a:rPr lang="en-US" dirty="0" smtClean="0"/>
+              <a:t>Bing Images</a:t>
+            </a:r>
+            <a:endParaRPr lang="en-US" dirty="0"/>
+          </a:p>
+        </p:txBody>
+      </p:sp>
+    </p:spTree>
+  </p:cSld>
+  <p:clrMapOvr>
+    <a:masterClrMapping/>
+  </p:clrMapOvr>
+</p:sld>
+</file>
+
+<file path=ppt/slides/slide5.xml><?xml version="1.0" encoding="utf-8"?>
 <p:sld xmlns:a="http://schemas.openxmlformats.org/drawingml/2006/main" xmlns:r="http://schemas.openxmlformats.org/officeDocument/2006/relationships" xmlns:p="http://schemas.openxmlformats.org/presentationml/2006/main">
   <p:cSld>
     <p:spTree>
@@ -5048,7 +5488,7 @@
 </p:sld>
 </file>
 
-<file path=ppt/slides/slide5.xml><?xml version="1.0" encoding="utf-8"?>
+<file path=ppt/slides/slide6.xml><?xml version="1.0" encoding="utf-8"?>
 <p:sld xmlns:a="http://schemas.openxmlformats.org/drawingml/2006/main" xmlns:r="http://schemas.openxmlformats.org/officeDocument/2006/relationships" xmlns:p="http://schemas.openxmlformats.org/presentationml/2006/main">
   <p:cSld>
     <p:spTree>
@@ -5065,6 +5505,2702 @@
           <a:chExt cx="0" cy="0"/>
         </a:xfrm>
       </p:grpSpPr>
+      <p:pic>
+        <p:nvPicPr>
+          <p:cNvPr id="4" name="Picture 6"/>
+          <p:cNvPicPr>
+            <a:picLocks noChangeAspect="1" noChangeArrowheads="1"/>
+          </p:cNvPicPr>
+          <p:nvPr/>
+        </p:nvPicPr>
+        <p:blipFill>
+          <a:blip r:embed="rId2" cstate="print"/>
+          <a:srcRect l="25732" t="4056" r="9772" b="79721"/>
+          <a:stretch>
+            <a:fillRect/>
+          </a:stretch>
+        </p:blipFill>
+        <p:spPr bwMode="auto">
+          <a:xfrm>
+            <a:off x="3689350" y="1752600"/>
+            <a:ext cx="2482850" cy="609600"/>
+          </a:xfrm>
+          <a:prstGeom prst="rect">
+            <a:avLst/>
+          </a:prstGeom>
+          <a:noFill/>
+          <a:ln w="9525">
+            <a:noFill/>
+            <a:miter lim="800000"/>
+            <a:headEnd/>
+            <a:tailEnd/>
+          </a:ln>
+        </p:spPr>
+      </p:pic>
+      <p:sp>
+        <p:nvSpPr>
+          <p:cNvPr id="5" name="TextBox 4"/>
+          <p:cNvSpPr txBox="1"/>
+          <p:nvPr/>
+        </p:nvSpPr>
+        <p:spPr>
+          <a:xfrm>
+            <a:off x="3671192" y="1533525"/>
+            <a:ext cx="367408" cy="123111"/>
+          </a:xfrm>
+          <a:prstGeom prst="rect">
+            <a:avLst/>
+          </a:prstGeom>
+          <a:noFill/>
+        </p:spPr>
+        <p:txBody>
+          <a:bodyPr wrap="none" tIns="0" bIns="0" rtlCol="0">
+            <a:spAutoFit/>
+          </a:bodyPr>
+          <a:lstStyle/>
+          <a:p>
+            <a:r>
+              <a:rPr lang="en-US" sz="800" dirty="0" smtClean="0"/>
+              <a:t>Title</a:t>
+            </a:r>
+            <a:endParaRPr lang="en-US" sz="800" dirty="0"/>
+          </a:p>
+        </p:txBody>
+      </p:sp>
+      <p:sp>
+        <p:nvSpPr>
+          <p:cNvPr id="6" name="Rectangle 5"/>
+          <p:cNvSpPr/>
+          <p:nvPr/>
+        </p:nvSpPr>
+        <p:spPr>
+          <a:xfrm>
+            <a:off x="4076699" y="1733550"/>
+            <a:ext cx="1812925" cy="101600"/>
+          </a:xfrm>
+          <a:prstGeom prst="rect">
+            <a:avLst/>
+          </a:prstGeom>
+          <a:noFill/>
+          <a:ln w="28575">
+            <a:solidFill>
+              <a:srgbClr val="FF0000"/>
+            </a:solidFill>
+          </a:ln>
+        </p:spPr>
+        <p:style>
+          <a:lnRef idx="2">
+            <a:schemeClr val="accent1">
+              <a:shade val="50000"/>
+            </a:schemeClr>
+          </a:lnRef>
+          <a:fillRef idx="1">
+            <a:schemeClr val="accent1"/>
+          </a:fillRef>
+          <a:effectRef idx="0">
+            <a:schemeClr val="accent1"/>
+          </a:effectRef>
+          <a:fontRef idx="minor">
+            <a:schemeClr val="lt1"/>
+          </a:fontRef>
+        </p:style>
+        <p:txBody>
+          <a:bodyPr rtlCol="0" anchor="ctr"/>
+          <a:lstStyle/>
+          <a:p>
+            <a:pPr algn="ctr"/>
+            <a:endParaRPr lang="en-US"/>
+          </a:p>
+        </p:txBody>
+      </p:sp>
+      <p:sp>
+        <p:nvSpPr>
+          <p:cNvPr id="7" name="Rectangle 6"/>
+          <p:cNvSpPr/>
+          <p:nvPr/>
+        </p:nvSpPr>
+        <p:spPr>
+          <a:xfrm>
+            <a:off x="3705226" y="1814513"/>
+            <a:ext cx="2462212" cy="561975"/>
+          </a:xfrm>
+          <a:prstGeom prst="rect">
+            <a:avLst/>
+          </a:prstGeom>
+          <a:noFill/>
+          <a:ln w="19050">
+            <a:solidFill>
+              <a:srgbClr val="7030A0"/>
+            </a:solidFill>
+          </a:ln>
+        </p:spPr>
+        <p:style>
+          <a:lnRef idx="2">
+            <a:schemeClr val="accent1">
+              <a:shade val="50000"/>
+            </a:schemeClr>
+          </a:lnRef>
+          <a:fillRef idx="1">
+            <a:schemeClr val="accent1"/>
+          </a:fillRef>
+          <a:effectRef idx="0">
+            <a:schemeClr val="accent1"/>
+          </a:effectRef>
+          <a:fontRef idx="minor">
+            <a:schemeClr val="lt1"/>
+          </a:fontRef>
+        </p:style>
+        <p:txBody>
+          <a:bodyPr rtlCol="0" anchor="ctr"/>
+          <a:lstStyle/>
+          <a:p>
+            <a:pPr algn="ctr"/>
+            <a:endParaRPr lang="en-US"/>
+          </a:p>
+        </p:txBody>
+      </p:sp>
+      <p:sp>
+        <p:nvSpPr>
+          <p:cNvPr id="8" name="Rectangle 7"/>
+          <p:cNvSpPr/>
+          <p:nvPr/>
+        </p:nvSpPr>
+        <p:spPr>
+          <a:xfrm>
+            <a:off x="4337050" y="2085975"/>
+            <a:ext cx="1196975" cy="95250"/>
+          </a:xfrm>
+          <a:prstGeom prst="rect">
+            <a:avLst/>
+          </a:prstGeom>
+          <a:noFill/>
+          <a:ln w="28575">
+            <a:solidFill>
+              <a:srgbClr val="00B0F0"/>
+            </a:solidFill>
+          </a:ln>
+        </p:spPr>
+        <p:style>
+          <a:lnRef idx="2">
+            <a:schemeClr val="accent1">
+              <a:shade val="50000"/>
+            </a:schemeClr>
+          </a:lnRef>
+          <a:fillRef idx="1">
+            <a:schemeClr val="accent1"/>
+          </a:fillRef>
+          <a:effectRef idx="0">
+            <a:schemeClr val="accent1"/>
+          </a:effectRef>
+          <a:fontRef idx="minor">
+            <a:schemeClr val="lt1"/>
+          </a:fontRef>
+        </p:style>
+        <p:txBody>
+          <a:bodyPr rtlCol="0" anchor="ctr"/>
+          <a:lstStyle/>
+          <a:p>
+            <a:pPr algn="ctr"/>
+            <a:endParaRPr lang="en-US"/>
+          </a:p>
+        </p:txBody>
+      </p:sp>
+      <p:sp>
+        <p:nvSpPr>
+          <p:cNvPr id="9" name="TextBox 8"/>
+          <p:cNvSpPr txBox="1"/>
+          <p:nvPr/>
+        </p:nvSpPr>
+        <p:spPr>
+          <a:xfrm>
+            <a:off x="3962400" y="1524000"/>
+            <a:ext cx="497252" cy="123111"/>
+          </a:xfrm>
+          <a:prstGeom prst="rect">
+            <a:avLst/>
+          </a:prstGeom>
+          <a:noFill/>
+        </p:spPr>
+        <p:txBody>
+          <a:bodyPr wrap="none" tIns="0" bIns="0" rtlCol="0">
+            <a:spAutoFit/>
+          </a:bodyPr>
+          <a:lstStyle/>
+          <a:p>
+            <a:r>
+              <a:rPr lang="en-US" sz="800" dirty="0" smtClean="0"/>
+              <a:t>Excerpt</a:t>
+            </a:r>
+            <a:endParaRPr lang="en-US" sz="800" dirty="0"/>
+          </a:p>
+        </p:txBody>
+      </p:sp>
+      <p:sp>
+        <p:nvSpPr>
+          <p:cNvPr id="10" name="TextBox 9"/>
+          <p:cNvSpPr txBox="1"/>
+          <p:nvPr/>
+        </p:nvSpPr>
+        <p:spPr>
+          <a:xfrm>
+            <a:off x="4419600" y="1524000"/>
+            <a:ext cx="470000" cy="123111"/>
+          </a:xfrm>
+          <a:prstGeom prst="rect">
+            <a:avLst/>
+          </a:prstGeom>
+          <a:noFill/>
+        </p:spPr>
+        <p:txBody>
+          <a:bodyPr wrap="none" tIns="0" bIns="0" rtlCol="0">
+            <a:spAutoFit/>
+          </a:bodyPr>
+          <a:lstStyle/>
+          <a:p>
+            <a:r>
+              <a:rPr lang="en-US" sz="800" dirty="0" smtClean="0"/>
+              <a:t>Source</a:t>
+            </a:r>
+            <a:endParaRPr lang="en-US" sz="800" dirty="0"/>
+          </a:p>
+        </p:txBody>
+      </p:sp>
+      <p:cxnSp>
+        <p:nvCxnSpPr>
+          <p:cNvPr id="24" name="Straight Arrow Connector 23"/>
+          <p:cNvCxnSpPr>
+            <a:stCxn id="5" idx="2"/>
+            <a:endCxn id="6" idx="1"/>
+          </p:cNvCxnSpPr>
+          <p:nvPr/>
+        </p:nvCxnSpPr>
+        <p:spPr>
+          <a:xfrm rot="16200000" flipH="1">
+            <a:off x="3901940" y="1609591"/>
+            <a:ext cx="127714" cy="221803"/>
+          </a:xfrm>
+          <a:prstGeom prst="straightConnector1">
+            <a:avLst/>
+          </a:prstGeom>
+          <a:ln w="28575" cap="rnd">
+            <a:solidFill>
+              <a:srgbClr val="FF0000"/>
+            </a:solidFill>
+            <a:headEnd type="none" w="med" len="med"/>
+            <a:tailEnd type="none" w="med" len="med"/>
+          </a:ln>
+        </p:spPr>
+        <p:style>
+          <a:lnRef idx="1">
+            <a:schemeClr val="accent1"/>
+          </a:lnRef>
+          <a:fillRef idx="0">
+            <a:schemeClr val="accent1"/>
+          </a:fillRef>
+          <a:effectRef idx="0">
+            <a:schemeClr val="accent1"/>
+          </a:effectRef>
+          <a:fontRef idx="minor">
+            <a:schemeClr val="tx1"/>
+          </a:fontRef>
+        </p:style>
+      </p:cxnSp>
+      <p:cxnSp>
+        <p:nvCxnSpPr>
+          <p:cNvPr id="26" name="Straight Arrow Connector 25"/>
+          <p:cNvCxnSpPr/>
+          <p:nvPr/>
+        </p:nvCxnSpPr>
+        <p:spPr>
+          <a:xfrm rot="16200000" flipH="1">
+            <a:off x="4186369" y="1678118"/>
+            <a:ext cx="181691" cy="132376"/>
+          </a:xfrm>
+          <a:prstGeom prst="straightConnector1">
+            <a:avLst/>
+          </a:prstGeom>
+          <a:ln w="28575" cap="rnd">
+            <a:solidFill>
+              <a:srgbClr val="7030A0"/>
+            </a:solidFill>
+            <a:headEnd type="none" w="med" len="med"/>
+            <a:tailEnd type="none" w="med" len="med"/>
+          </a:ln>
+        </p:spPr>
+        <p:style>
+          <a:lnRef idx="1">
+            <a:schemeClr val="accent1"/>
+          </a:lnRef>
+          <a:fillRef idx="0">
+            <a:schemeClr val="accent1"/>
+          </a:fillRef>
+          <a:effectRef idx="0">
+            <a:schemeClr val="accent1"/>
+          </a:effectRef>
+          <a:fontRef idx="minor">
+            <a:schemeClr val="tx1"/>
+          </a:fontRef>
+        </p:style>
+      </p:cxnSp>
+      <p:cxnSp>
+        <p:nvCxnSpPr>
+          <p:cNvPr id="31" name="Straight Arrow Connector 30"/>
+          <p:cNvCxnSpPr>
+            <a:endCxn id="8" idx="0"/>
+          </p:cNvCxnSpPr>
+          <p:nvPr/>
+        </p:nvCxnSpPr>
+        <p:spPr>
+          <a:xfrm rot="16200000" flipH="1">
+            <a:off x="4587086" y="1737522"/>
+            <a:ext cx="419097" cy="277808"/>
+          </a:xfrm>
+          <a:prstGeom prst="straightConnector1">
+            <a:avLst/>
+          </a:prstGeom>
+          <a:ln w="28575" cap="rnd">
+            <a:solidFill>
+              <a:srgbClr val="00B0F0"/>
+            </a:solidFill>
+            <a:headEnd type="none" w="med" len="med"/>
+            <a:tailEnd type="none" w="med" len="med"/>
+          </a:ln>
+        </p:spPr>
+        <p:style>
+          <a:lnRef idx="1">
+            <a:schemeClr val="accent1"/>
+          </a:lnRef>
+          <a:fillRef idx="0">
+            <a:schemeClr val="accent1"/>
+          </a:fillRef>
+          <a:effectRef idx="0">
+            <a:schemeClr val="accent1"/>
+          </a:effectRef>
+          <a:fontRef idx="minor">
+            <a:schemeClr val="tx1"/>
+          </a:fontRef>
+        </p:style>
+      </p:cxnSp>
+      <p:grpSp>
+        <p:nvGrpSpPr>
+          <p:cNvPr id="40" name="Group 39"/>
+          <p:cNvGrpSpPr/>
+          <p:nvPr/>
+        </p:nvGrpSpPr>
+        <p:grpSpPr>
+          <a:xfrm>
+            <a:off x="3698875" y="2717006"/>
+            <a:ext cx="2482850" cy="561975"/>
+            <a:chOff x="3698875" y="2717006"/>
+            <a:chExt cx="2482850" cy="561975"/>
+          </a:xfrm>
+        </p:grpSpPr>
+        <p:pic>
+          <p:nvPicPr>
+            <p:cNvPr id="34" name="Picture 6"/>
+            <p:cNvPicPr>
+              <a:picLocks noChangeAspect="1" noChangeArrowheads="1"/>
+            </p:cNvPicPr>
+            <p:nvPr/>
+          </p:nvPicPr>
+          <p:blipFill>
+            <a:blip r:embed="rId2" cstate="print"/>
+            <a:srcRect l="25732" t="6084" r="9772" b="79721"/>
+            <a:stretch>
+              <a:fillRect/>
+            </a:stretch>
+          </p:blipFill>
+          <p:spPr bwMode="auto">
+            <a:xfrm>
+              <a:off x="3698875" y="2724150"/>
+              <a:ext cx="2482850" cy="533400"/>
+            </a:xfrm>
+            <a:prstGeom prst="rect">
+              <a:avLst/>
+            </a:prstGeom>
+            <a:noFill/>
+            <a:ln w="9525">
+              <a:solidFill>
+                <a:srgbClr val="92D050"/>
+              </a:solidFill>
+              <a:miter lim="800000"/>
+              <a:headEnd/>
+              <a:tailEnd/>
+            </a:ln>
+          </p:spPr>
+        </p:pic>
+        <p:sp>
+          <p:nvSpPr>
+            <p:cNvPr id="35" name="Rectangle 34"/>
+            <p:cNvSpPr/>
+            <p:nvPr/>
+          </p:nvSpPr>
+          <p:spPr>
+            <a:xfrm>
+              <a:off x="3714751" y="2717006"/>
+              <a:ext cx="2462212" cy="561975"/>
+            </a:xfrm>
+            <a:prstGeom prst="rect">
+              <a:avLst/>
+            </a:prstGeom>
+            <a:noFill/>
+            <a:ln w="19050">
+              <a:solidFill>
+                <a:srgbClr val="92D050"/>
+              </a:solidFill>
+            </a:ln>
+          </p:spPr>
+          <p:style>
+            <a:lnRef idx="2">
+              <a:schemeClr val="accent1">
+                <a:shade val="50000"/>
+              </a:schemeClr>
+            </a:lnRef>
+            <a:fillRef idx="1">
+              <a:schemeClr val="accent1"/>
+            </a:fillRef>
+            <a:effectRef idx="0">
+              <a:schemeClr val="accent1"/>
+            </a:effectRef>
+            <a:fontRef idx="minor">
+              <a:schemeClr val="lt1"/>
+            </a:fontRef>
+          </p:style>
+          <p:txBody>
+            <a:bodyPr rtlCol="0" anchor="ctr"/>
+            <a:lstStyle/>
+            <a:p>
+              <a:pPr algn="ctr"/>
+              <a:endParaRPr lang="en-US"/>
+            </a:p>
+          </p:txBody>
+        </p:sp>
+      </p:grpSp>
+      <p:grpSp>
+        <p:nvGrpSpPr>
+          <p:cNvPr id="39" name="Group 38"/>
+          <p:cNvGrpSpPr/>
+          <p:nvPr/>
+        </p:nvGrpSpPr>
+        <p:grpSpPr>
+          <a:xfrm>
+            <a:off x="3698875" y="2555240"/>
+            <a:ext cx="2200274" cy="137160"/>
+            <a:chOff x="3743326" y="2555240"/>
+            <a:chExt cx="2200274" cy="137160"/>
+          </a:xfrm>
+        </p:grpSpPr>
+        <p:pic>
+          <p:nvPicPr>
+            <p:cNvPr id="36" name="Picture 6"/>
+            <p:cNvPicPr>
+              <a:picLocks noChangeAspect="1" noChangeArrowheads="1"/>
+            </p:cNvPicPr>
+            <p:nvPr/>
+          </p:nvPicPr>
+          <p:blipFill>
+            <a:blip r:embed="rId2" cstate="print"/>
+            <a:srcRect l="25732" t="4056" r="17360" b="93746"/>
+            <a:stretch>
+              <a:fillRect/>
+            </a:stretch>
+          </p:blipFill>
+          <p:spPr bwMode="auto">
+            <a:xfrm>
+              <a:off x="3743326" y="2584450"/>
+              <a:ext cx="2190750" cy="82550"/>
+            </a:xfrm>
+            <a:prstGeom prst="rect">
+              <a:avLst/>
+            </a:prstGeom>
+            <a:noFill/>
+            <a:ln w="9525">
+              <a:noFill/>
+              <a:miter lim="800000"/>
+              <a:headEnd/>
+              <a:tailEnd/>
+            </a:ln>
+          </p:spPr>
+        </p:pic>
+        <p:sp>
+          <p:nvSpPr>
+            <p:cNvPr id="37" name="Rectangle 36"/>
+            <p:cNvSpPr/>
+            <p:nvPr/>
+          </p:nvSpPr>
+          <p:spPr>
+            <a:xfrm>
+              <a:off x="3752851" y="2555240"/>
+              <a:ext cx="2190749" cy="137160"/>
+            </a:xfrm>
+            <a:prstGeom prst="rect">
+              <a:avLst/>
+            </a:prstGeom>
+            <a:noFill/>
+            <a:ln w="19050">
+              <a:solidFill>
+                <a:srgbClr val="FF0000"/>
+              </a:solidFill>
+            </a:ln>
+          </p:spPr>
+          <p:style>
+            <a:lnRef idx="2">
+              <a:schemeClr val="accent1">
+                <a:shade val="50000"/>
+              </a:schemeClr>
+            </a:lnRef>
+            <a:fillRef idx="1">
+              <a:schemeClr val="accent1"/>
+            </a:fillRef>
+            <a:effectRef idx="0">
+              <a:schemeClr val="accent1"/>
+            </a:effectRef>
+            <a:fontRef idx="minor">
+              <a:schemeClr val="lt1"/>
+            </a:fontRef>
+          </p:style>
+          <p:txBody>
+            <a:bodyPr rtlCol="0" anchor="ctr"/>
+            <a:lstStyle/>
+            <a:p>
+              <a:pPr algn="ctr"/>
+              <a:endParaRPr lang="en-US"/>
+            </a:p>
+          </p:txBody>
+        </p:sp>
+      </p:grpSp>
+      <p:sp>
+        <p:nvSpPr>
+          <p:cNvPr id="42" name="TextBox 41"/>
+          <p:cNvSpPr txBox="1"/>
+          <p:nvPr/>
+        </p:nvSpPr>
+        <p:spPr>
+          <a:xfrm>
+            <a:off x="3391792" y="2552700"/>
+            <a:ext cx="373820" cy="123111"/>
+          </a:xfrm>
+          <a:prstGeom prst="rect">
+            <a:avLst/>
+          </a:prstGeom>
+          <a:noFill/>
+        </p:spPr>
+        <p:txBody>
+          <a:bodyPr wrap="none" tIns="0" bIns="0" rtlCol="0">
+            <a:spAutoFit/>
+          </a:bodyPr>
+          <a:lstStyle/>
+          <a:p>
+            <a:r>
+              <a:rPr lang="en-US" sz="800" b="1" dirty="0" smtClean="0"/>
+              <a:t>Title</a:t>
+            </a:r>
+            <a:endParaRPr lang="en-US" sz="800" b="1" dirty="0"/>
+          </a:p>
+        </p:txBody>
+      </p:sp>
+      <p:sp>
+        <p:nvSpPr>
+          <p:cNvPr id="44" name="TextBox 43"/>
+          <p:cNvSpPr txBox="1"/>
+          <p:nvPr/>
+        </p:nvSpPr>
+        <p:spPr>
+          <a:xfrm>
+            <a:off x="3381759" y="3114675"/>
+            <a:ext cx="288541" cy="123111"/>
+          </a:xfrm>
+          <a:prstGeom prst="rect">
+            <a:avLst/>
+          </a:prstGeom>
+          <a:solidFill>
+            <a:srgbClr val="FFFFFF">
+              <a:alpha val="69804"/>
+            </a:srgbClr>
+          </a:solidFill>
+        </p:spPr>
+        <p:txBody>
+          <a:bodyPr wrap="none" lIns="0" tIns="0" rIns="0" bIns="0" rtlCol="0">
+            <a:spAutoFit/>
+          </a:bodyPr>
+          <a:lstStyle/>
+          <a:p>
+            <a:r>
+              <a:rPr lang="en-US" sz="800" b="1" dirty="0" smtClean="0"/>
+              <a:t>Source</a:t>
+            </a:r>
+            <a:endParaRPr lang="en-US" sz="800" b="1" dirty="0"/>
+          </a:p>
+        </p:txBody>
+      </p:sp>
+      <p:sp>
+        <p:nvSpPr>
+          <p:cNvPr id="45" name="Rectangle 44"/>
+          <p:cNvSpPr/>
+          <p:nvPr/>
+        </p:nvSpPr>
+        <p:spPr>
+          <a:xfrm>
+            <a:off x="4352925" y="2978150"/>
+            <a:ext cx="1235075" cy="95250"/>
+          </a:xfrm>
+          <a:prstGeom prst="rect">
+            <a:avLst/>
+          </a:prstGeom>
+          <a:noFill/>
+          <a:ln w="19050">
+            <a:solidFill>
+              <a:srgbClr val="00B0F0"/>
+            </a:solidFill>
+          </a:ln>
+        </p:spPr>
+        <p:style>
+          <a:lnRef idx="2">
+            <a:schemeClr val="accent1">
+              <a:shade val="50000"/>
+            </a:schemeClr>
+          </a:lnRef>
+          <a:fillRef idx="1">
+            <a:schemeClr val="accent1"/>
+          </a:fillRef>
+          <a:effectRef idx="0">
+            <a:schemeClr val="accent1"/>
+          </a:effectRef>
+          <a:fontRef idx="minor">
+            <a:schemeClr val="lt1"/>
+          </a:fontRef>
+        </p:style>
+        <p:txBody>
+          <a:bodyPr rtlCol="0" anchor="ctr"/>
+          <a:lstStyle/>
+          <a:p>
+            <a:pPr algn="ctr"/>
+            <a:endParaRPr lang="en-US"/>
+          </a:p>
+        </p:txBody>
+      </p:sp>
+      <p:sp>
+        <p:nvSpPr>
+          <p:cNvPr id="46" name="TextBox 45"/>
+          <p:cNvSpPr txBox="1"/>
+          <p:nvPr/>
+        </p:nvSpPr>
+        <p:spPr>
+          <a:xfrm>
+            <a:off x="3362325" y="2774950"/>
+            <a:ext cx="317395" cy="123111"/>
+          </a:xfrm>
+          <a:prstGeom prst="rect">
+            <a:avLst/>
+          </a:prstGeom>
+          <a:solidFill>
+            <a:srgbClr val="FFFFFF">
+              <a:alpha val="69804"/>
+            </a:srgbClr>
+          </a:solidFill>
+        </p:spPr>
+        <p:txBody>
+          <a:bodyPr wrap="none" lIns="0" tIns="0" rIns="0" bIns="0" rtlCol="0">
+            <a:spAutoFit/>
+          </a:bodyPr>
+          <a:lstStyle/>
+          <a:p>
+            <a:r>
+              <a:rPr lang="en-US" sz="800" b="1" dirty="0" smtClean="0"/>
+              <a:t>Excerpt</a:t>
+            </a:r>
+            <a:endParaRPr lang="en-US" sz="800" b="1" dirty="0"/>
+          </a:p>
+        </p:txBody>
+      </p:sp>
+      <p:sp>
+        <p:nvSpPr>
+          <p:cNvPr id="47" name="Freeform 46"/>
+          <p:cNvSpPr/>
+          <p:nvPr/>
+        </p:nvSpPr>
+        <p:spPr>
+          <a:xfrm>
+            <a:off x="3681412" y="3100387"/>
+            <a:ext cx="914400" cy="91440"/>
+          </a:xfrm>
+          <a:custGeom>
+            <a:avLst/>
+            <a:gdLst>
+              <a:gd name="connsiteX0" fmla="*/ 0 w 1228725"/>
+              <a:gd name="connsiteY0" fmla="*/ 71437 h 71437"/>
+              <a:gd name="connsiteX1" fmla="*/ 1228725 w 1228725"/>
+              <a:gd name="connsiteY1" fmla="*/ 71437 h 71437"/>
+              <a:gd name="connsiteX2" fmla="*/ 1228725 w 1228725"/>
+              <a:gd name="connsiteY2" fmla="*/ 0 h 71437"/>
+            </a:gdLst>
+            <a:ahLst/>
+            <a:cxnLst>
+              <a:cxn ang="0">
+                <a:pos x="connsiteX0" y="connsiteY0"/>
+              </a:cxn>
+              <a:cxn ang="0">
+                <a:pos x="connsiteX1" y="connsiteY1"/>
+              </a:cxn>
+              <a:cxn ang="0">
+                <a:pos x="connsiteX2" y="connsiteY2"/>
+              </a:cxn>
+            </a:cxnLst>
+            <a:rect l="l" t="t" r="r" b="b"/>
+            <a:pathLst>
+              <a:path w="1228725" h="71437">
+                <a:moveTo>
+                  <a:pt x="0" y="71437"/>
+                </a:moveTo>
+                <a:lnTo>
+                  <a:pt x="1228725" y="71437"/>
+                </a:lnTo>
+                <a:lnTo>
+                  <a:pt x="1228725" y="0"/>
+                </a:lnTo>
+              </a:path>
+            </a:pathLst>
+          </a:custGeom>
+          <a:ln w="12700">
+            <a:headEnd type="none" w="med" len="med"/>
+            <a:tailEnd type="triangle" w="sm" len="sm"/>
+          </a:ln>
+        </p:spPr>
+        <p:style>
+          <a:lnRef idx="1">
+            <a:schemeClr val="accent1"/>
+          </a:lnRef>
+          <a:fillRef idx="0">
+            <a:schemeClr val="accent1"/>
+          </a:fillRef>
+          <a:effectRef idx="0">
+            <a:schemeClr val="accent1"/>
+          </a:effectRef>
+          <a:fontRef idx="minor">
+            <a:schemeClr val="tx1"/>
+          </a:fontRef>
+        </p:style>
+        <p:txBody>
+          <a:bodyPr rtlCol="0" anchor="ctr"/>
+          <a:lstStyle/>
+          <a:p>
+            <a:pPr algn="ctr"/>
+            <a:endParaRPr lang="en-US"/>
+          </a:p>
+        </p:txBody>
+      </p:sp>
+      <p:pic>
+        <p:nvPicPr>
+          <p:cNvPr id="48" name="Picture 6"/>
+          <p:cNvPicPr>
+            <a:picLocks noChangeAspect="1" noChangeArrowheads="1"/>
+          </p:cNvPicPr>
+          <p:nvPr/>
+        </p:nvPicPr>
+        <p:blipFill>
+          <a:blip r:embed="rId2" cstate="print"/>
+          <a:srcRect l="25774" t="80483"/>
+          <a:stretch>
+            <a:fillRect/>
+          </a:stretch>
+        </p:blipFill>
+        <p:spPr bwMode="auto">
+          <a:xfrm>
+            <a:off x="3690938" y="3305260"/>
+            <a:ext cx="2857436" cy="733340"/>
+          </a:xfrm>
+          <a:prstGeom prst="rect">
+            <a:avLst/>
+          </a:prstGeom>
+          <a:noFill/>
+          <a:ln w="9525">
+            <a:noFill/>
+            <a:miter lim="800000"/>
+            <a:headEnd/>
+            <a:tailEnd/>
+          </a:ln>
+        </p:spPr>
+      </p:pic>
+      <p:sp>
+        <p:nvSpPr>
+          <p:cNvPr id="49" name="TextBox 48"/>
+          <p:cNvSpPr txBox="1"/>
+          <p:nvPr/>
+        </p:nvSpPr>
+        <p:spPr>
+          <a:xfrm>
+            <a:off x="3024169" y="3429000"/>
+            <a:ext cx="679673" cy="123111"/>
+          </a:xfrm>
+          <a:prstGeom prst="rect">
+            <a:avLst/>
+          </a:prstGeom>
+          <a:solidFill>
+            <a:srgbClr val="FFFFFF">
+              <a:alpha val="69804"/>
+            </a:srgbClr>
+          </a:solidFill>
+        </p:spPr>
+        <p:txBody>
+          <a:bodyPr wrap="none" lIns="0" tIns="0" rIns="0" bIns="0" rtlCol="0">
+            <a:spAutoFit/>
+          </a:bodyPr>
+          <a:lstStyle/>
+          <a:p>
+            <a:r>
+              <a:rPr lang="en-US" sz="800" b="1" dirty="0" smtClean="0"/>
+              <a:t>Tiny Thumbnail</a:t>
+            </a:r>
+            <a:endParaRPr lang="en-US" sz="800" b="1" dirty="0"/>
+          </a:p>
+        </p:txBody>
+      </p:sp>
+      <p:sp>
+        <p:nvSpPr>
+          <p:cNvPr id="51" name="Freeform 50"/>
+          <p:cNvSpPr/>
+          <p:nvPr/>
+        </p:nvSpPr>
+        <p:spPr>
+          <a:xfrm flipV="1">
+            <a:off x="3681396" y="3480767"/>
+            <a:ext cx="1408176" cy="109728"/>
+          </a:xfrm>
+          <a:custGeom>
+            <a:avLst/>
+            <a:gdLst>
+              <a:gd name="connsiteX0" fmla="*/ 0 w 1228725"/>
+              <a:gd name="connsiteY0" fmla="*/ 71437 h 71437"/>
+              <a:gd name="connsiteX1" fmla="*/ 1228725 w 1228725"/>
+              <a:gd name="connsiteY1" fmla="*/ 71437 h 71437"/>
+              <a:gd name="connsiteX2" fmla="*/ 1228725 w 1228725"/>
+              <a:gd name="connsiteY2" fmla="*/ 0 h 71437"/>
+            </a:gdLst>
+            <a:ahLst/>
+            <a:cxnLst>
+              <a:cxn ang="0">
+                <a:pos x="connsiteX0" y="connsiteY0"/>
+              </a:cxn>
+              <a:cxn ang="0">
+                <a:pos x="connsiteX1" y="connsiteY1"/>
+              </a:cxn>
+              <a:cxn ang="0">
+                <a:pos x="connsiteX2" y="connsiteY2"/>
+              </a:cxn>
+            </a:cxnLst>
+            <a:rect l="l" t="t" r="r" b="b"/>
+            <a:pathLst>
+              <a:path w="1228725" h="71437">
+                <a:moveTo>
+                  <a:pt x="0" y="71437"/>
+                </a:moveTo>
+                <a:lnTo>
+                  <a:pt x="1228725" y="71437"/>
+                </a:lnTo>
+                <a:lnTo>
+                  <a:pt x="1228725" y="0"/>
+                </a:lnTo>
+              </a:path>
+            </a:pathLst>
+          </a:custGeom>
+          <a:ln w="12700">
+            <a:solidFill>
+              <a:schemeClr val="accent6">
+                <a:lumMod val="75000"/>
+              </a:schemeClr>
+            </a:solidFill>
+            <a:headEnd type="none" w="med" len="med"/>
+            <a:tailEnd type="triangle" w="sm" len="sm"/>
+          </a:ln>
+        </p:spPr>
+        <p:style>
+          <a:lnRef idx="1">
+            <a:schemeClr val="accent1"/>
+          </a:lnRef>
+          <a:fillRef idx="0">
+            <a:schemeClr val="accent1"/>
+          </a:fillRef>
+          <a:effectRef idx="0">
+            <a:schemeClr val="accent1"/>
+          </a:effectRef>
+          <a:fontRef idx="minor">
+            <a:schemeClr val="tx1"/>
+          </a:fontRef>
+        </p:style>
+        <p:txBody>
+          <a:bodyPr rtlCol="0" anchor="ctr"/>
+          <a:lstStyle/>
+          <a:p>
+            <a:pPr algn="ctr"/>
+            <a:endParaRPr lang="en-US"/>
+          </a:p>
+        </p:txBody>
+      </p:sp>
+      <p:sp>
+        <p:nvSpPr>
+          <p:cNvPr id="52" name="Rectangle 51"/>
+          <p:cNvSpPr/>
+          <p:nvPr/>
+        </p:nvSpPr>
+        <p:spPr>
+          <a:xfrm>
+            <a:off x="5019626" y="3595689"/>
+            <a:ext cx="137160" cy="137160"/>
+          </a:xfrm>
+          <a:prstGeom prst="rect">
+            <a:avLst/>
+          </a:prstGeom>
+          <a:noFill/>
+          <a:ln w="19050">
+            <a:solidFill>
+              <a:schemeClr val="accent6">
+                <a:lumMod val="75000"/>
+              </a:schemeClr>
+            </a:solidFill>
+          </a:ln>
+        </p:spPr>
+        <p:style>
+          <a:lnRef idx="2">
+            <a:schemeClr val="accent1">
+              <a:shade val="50000"/>
+            </a:schemeClr>
+          </a:lnRef>
+          <a:fillRef idx="1">
+            <a:schemeClr val="accent1"/>
+          </a:fillRef>
+          <a:effectRef idx="0">
+            <a:schemeClr val="accent1"/>
+          </a:effectRef>
+          <a:fontRef idx="minor">
+            <a:schemeClr val="lt1"/>
+          </a:fontRef>
+        </p:style>
+        <p:txBody>
+          <a:bodyPr rtlCol="0" anchor="ctr"/>
+          <a:lstStyle/>
+          <a:p>
+            <a:pPr algn="ctr"/>
+            <a:endParaRPr lang="en-US"/>
+          </a:p>
+        </p:txBody>
+      </p:sp>
+      <p:sp>
+        <p:nvSpPr>
+          <p:cNvPr id="53" name="Rectangle 52"/>
+          <p:cNvSpPr/>
+          <p:nvPr/>
+        </p:nvSpPr>
+        <p:spPr>
+          <a:xfrm>
+            <a:off x="5381598" y="3419442"/>
+            <a:ext cx="137160" cy="137160"/>
+          </a:xfrm>
+          <a:prstGeom prst="rect">
+            <a:avLst/>
+          </a:prstGeom>
+          <a:noFill/>
+          <a:ln w="19050">
+            <a:solidFill>
+              <a:schemeClr val="accent6">
+                <a:lumMod val="75000"/>
+              </a:schemeClr>
+            </a:solidFill>
+          </a:ln>
+        </p:spPr>
+        <p:style>
+          <a:lnRef idx="2">
+            <a:schemeClr val="accent1">
+              <a:shade val="50000"/>
+            </a:schemeClr>
+          </a:lnRef>
+          <a:fillRef idx="1">
+            <a:schemeClr val="accent1"/>
+          </a:fillRef>
+          <a:effectRef idx="0">
+            <a:schemeClr val="accent1"/>
+          </a:effectRef>
+          <a:fontRef idx="minor">
+            <a:schemeClr val="lt1"/>
+          </a:fontRef>
+        </p:style>
+        <p:txBody>
+          <a:bodyPr rtlCol="0" anchor="ctr"/>
+          <a:lstStyle/>
+          <a:p>
+            <a:pPr algn="ctr"/>
+            <a:endParaRPr lang="en-US"/>
+          </a:p>
+        </p:txBody>
+      </p:sp>
+      <p:sp>
+        <p:nvSpPr>
+          <p:cNvPr id="54" name="Freeform 53"/>
+          <p:cNvSpPr/>
+          <p:nvPr/>
+        </p:nvSpPr>
+        <p:spPr>
+          <a:xfrm flipV="1">
+            <a:off x="3960798" y="3480751"/>
+            <a:ext cx="1408176" cy="0"/>
+          </a:xfrm>
+          <a:custGeom>
+            <a:avLst/>
+            <a:gdLst>
+              <a:gd name="connsiteX0" fmla="*/ 0 w 1228725"/>
+              <a:gd name="connsiteY0" fmla="*/ 71437 h 71437"/>
+              <a:gd name="connsiteX1" fmla="*/ 1228725 w 1228725"/>
+              <a:gd name="connsiteY1" fmla="*/ 71437 h 71437"/>
+              <a:gd name="connsiteX2" fmla="*/ 1228725 w 1228725"/>
+              <a:gd name="connsiteY2" fmla="*/ 0 h 71437"/>
+              <a:gd name="connsiteX0" fmla="*/ 0 w 1228725"/>
+              <a:gd name="connsiteY0" fmla="*/ 0 h 0"/>
+              <a:gd name="connsiteX1" fmla="*/ 1228725 w 1228725"/>
+              <a:gd name="connsiteY1" fmla="*/ 0 h 0"/>
+            </a:gdLst>
+            <a:ahLst/>
+            <a:cxnLst>
+              <a:cxn ang="0">
+                <a:pos x="connsiteX0" y="connsiteY0"/>
+              </a:cxn>
+              <a:cxn ang="0">
+                <a:pos x="connsiteX1" y="connsiteY1"/>
+              </a:cxn>
+            </a:cxnLst>
+            <a:rect l="l" t="t" r="r" b="b"/>
+            <a:pathLst>
+              <a:path w="1228725">
+                <a:moveTo>
+                  <a:pt x="0" y="0"/>
+                </a:moveTo>
+                <a:lnTo>
+                  <a:pt x="1228725" y="0"/>
+                </a:lnTo>
+              </a:path>
+            </a:pathLst>
+          </a:custGeom>
+          <a:ln w="12700">
+            <a:solidFill>
+              <a:schemeClr val="accent6">
+                <a:lumMod val="75000"/>
+              </a:schemeClr>
+            </a:solidFill>
+            <a:headEnd type="none" w="med" len="med"/>
+            <a:tailEnd type="triangle" w="sm" len="sm"/>
+          </a:ln>
+        </p:spPr>
+        <p:style>
+          <a:lnRef idx="1">
+            <a:schemeClr val="accent1"/>
+          </a:lnRef>
+          <a:fillRef idx="0">
+            <a:schemeClr val="accent1"/>
+          </a:fillRef>
+          <a:effectRef idx="0">
+            <a:schemeClr val="accent1"/>
+          </a:effectRef>
+          <a:fontRef idx="minor">
+            <a:schemeClr val="tx1"/>
+          </a:fontRef>
+        </p:style>
+        <p:txBody>
+          <a:bodyPr rtlCol="0" anchor="ctr"/>
+          <a:lstStyle/>
+          <a:p>
+            <a:pPr algn="ctr"/>
+            <a:endParaRPr lang="en-US"/>
+          </a:p>
+        </p:txBody>
+      </p:sp>
+    </p:spTree>
+  </p:cSld>
+  <p:clrMapOvr>
+    <a:masterClrMapping/>
+  </p:clrMapOvr>
+</p:sld>
+</file>
+
+<file path=ppt/slides/slide7.xml><?xml version="1.0" encoding="utf-8"?>
+<p:sld xmlns:a="http://schemas.openxmlformats.org/drawingml/2006/main" xmlns:r="http://schemas.openxmlformats.org/officeDocument/2006/relationships" xmlns:p="http://schemas.openxmlformats.org/presentationml/2006/main">
+  <p:cSld>
+    <p:spTree>
+      <p:nvGrpSpPr>
+        <p:cNvPr id="1" name=""/>
+        <p:cNvGrpSpPr/>
+        <p:nvPr/>
+      </p:nvGrpSpPr>
+      <p:grpSpPr>
+        <a:xfrm>
+          <a:off x="0" y="0"/>
+          <a:ext cx="0" cy="0"/>
+          <a:chOff x="0" y="0"/>
+          <a:chExt cx="0" cy="0"/>
+        </a:xfrm>
+      </p:grpSpPr>
+      <p:pic>
+        <p:nvPicPr>
+          <p:cNvPr id="15" name="Picture 6"/>
+          <p:cNvPicPr>
+            <a:picLocks noChangeAspect="1" noChangeArrowheads="1"/>
+          </p:cNvPicPr>
+          <p:nvPr/>
+        </p:nvPicPr>
+        <p:blipFill>
+          <a:blip r:embed="rId2" cstate="print"/>
+          <a:srcRect l="25732" t="6084" r="9772" b="79721"/>
+          <a:stretch>
+            <a:fillRect/>
+          </a:stretch>
+        </p:blipFill>
+        <p:spPr bwMode="auto">
+          <a:xfrm>
+            <a:off x="3698875" y="2724150"/>
+            <a:ext cx="2482850" cy="533400"/>
+          </a:xfrm>
+          <a:prstGeom prst="rect">
+            <a:avLst/>
+          </a:prstGeom>
+          <a:noFill/>
+          <a:ln w="9525">
+            <a:noFill/>
+            <a:miter lim="800000"/>
+            <a:headEnd/>
+            <a:tailEnd/>
+          </a:ln>
+        </p:spPr>
+      </p:pic>
+      <p:sp>
+        <p:nvSpPr>
+          <p:cNvPr id="16" name="Rectangle 15"/>
+          <p:cNvSpPr/>
+          <p:nvPr/>
+        </p:nvSpPr>
+        <p:spPr>
+          <a:xfrm>
+            <a:off x="3714751" y="2717006"/>
+            <a:ext cx="2462212" cy="561975"/>
+          </a:xfrm>
+          <a:prstGeom prst="rect">
+            <a:avLst/>
+          </a:prstGeom>
+          <a:noFill/>
+          <a:ln w="19050">
+            <a:solidFill>
+              <a:srgbClr val="92D050"/>
+            </a:solidFill>
+          </a:ln>
+        </p:spPr>
+        <p:style>
+          <a:lnRef idx="2">
+            <a:schemeClr val="accent1">
+              <a:shade val="50000"/>
+            </a:schemeClr>
+          </a:lnRef>
+          <a:fillRef idx="1">
+            <a:schemeClr val="accent1"/>
+          </a:fillRef>
+          <a:effectRef idx="0">
+            <a:schemeClr val="accent1"/>
+          </a:effectRef>
+          <a:fontRef idx="minor">
+            <a:schemeClr val="lt1"/>
+          </a:fontRef>
+        </p:style>
+        <p:txBody>
+          <a:bodyPr rtlCol="0" anchor="ctr"/>
+          <a:lstStyle/>
+          <a:p>
+            <a:pPr algn="ctr"/>
+            <a:endParaRPr lang="en-US"/>
+          </a:p>
+        </p:txBody>
+      </p:sp>
+      <p:grpSp>
+        <p:nvGrpSpPr>
+          <p:cNvPr id="17" name="Group 16"/>
+          <p:cNvGrpSpPr/>
+          <p:nvPr/>
+        </p:nvGrpSpPr>
+        <p:grpSpPr>
+          <a:xfrm>
+            <a:off x="3698875" y="2555240"/>
+            <a:ext cx="2200274" cy="137160"/>
+            <a:chOff x="3743326" y="2555240"/>
+            <a:chExt cx="2200274" cy="137160"/>
+          </a:xfrm>
+        </p:grpSpPr>
+        <p:pic>
+          <p:nvPicPr>
+            <p:cNvPr id="18" name="Picture 6"/>
+            <p:cNvPicPr>
+              <a:picLocks noChangeAspect="1" noChangeArrowheads="1"/>
+            </p:cNvPicPr>
+            <p:nvPr/>
+          </p:nvPicPr>
+          <p:blipFill>
+            <a:blip r:embed="rId2" cstate="print"/>
+            <a:srcRect l="25732" t="4056" r="17360" b="93746"/>
+            <a:stretch>
+              <a:fillRect/>
+            </a:stretch>
+          </p:blipFill>
+          <p:spPr bwMode="auto">
+            <a:xfrm>
+              <a:off x="3743326" y="2584450"/>
+              <a:ext cx="2190750" cy="82550"/>
+            </a:xfrm>
+            <a:prstGeom prst="rect">
+              <a:avLst/>
+            </a:prstGeom>
+            <a:noFill/>
+            <a:ln w="9525">
+              <a:noFill/>
+              <a:miter lim="800000"/>
+              <a:headEnd/>
+              <a:tailEnd/>
+            </a:ln>
+          </p:spPr>
+        </p:pic>
+        <p:sp>
+          <p:nvSpPr>
+            <p:cNvPr id="19" name="Rectangle 18"/>
+            <p:cNvSpPr/>
+            <p:nvPr/>
+          </p:nvSpPr>
+          <p:spPr>
+            <a:xfrm>
+              <a:off x="3752851" y="2555240"/>
+              <a:ext cx="2190749" cy="137160"/>
+            </a:xfrm>
+            <a:prstGeom prst="rect">
+              <a:avLst/>
+            </a:prstGeom>
+            <a:noFill/>
+            <a:ln w="19050">
+              <a:solidFill>
+                <a:srgbClr val="FF0000"/>
+              </a:solidFill>
+            </a:ln>
+          </p:spPr>
+          <p:style>
+            <a:lnRef idx="2">
+              <a:schemeClr val="accent1">
+                <a:shade val="50000"/>
+              </a:schemeClr>
+            </a:lnRef>
+            <a:fillRef idx="1">
+              <a:schemeClr val="accent1"/>
+            </a:fillRef>
+            <a:effectRef idx="0">
+              <a:schemeClr val="accent1"/>
+            </a:effectRef>
+            <a:fontRef idx="minor">
+              <a:schemeClr val="lt1"/>
+            </a:fontRef>
+          </p:style>
+          <p:txBody>
+            <a:bodyPr rtlCol="0" anchor="ctr"/>
+            <a:lstStyle/>
+            <a:p>
+              <a:pPr algn="ctr"/>
+              <a:endParaRPr lang="en-US"/>
+            </a:p>
+          </p:txBody>
+        </p:sp>
+      </p:grpSp>
+      <p:sp>
+        <p:nvSpPr>
+          <p:cNvPr id="21" name="TextBox 20"/>
+          <p:cNvSpPr txBox="1"/>
+          <p:nvPr/>
+        </p:nvSpPr>
+        <p:spPr>
+          <a:xfrm>
+            <a:off x="3267140" y="3114675"/>
+            <a:ext cx="288541" cy="123111"/>
+          </a:xfrm>
+          <a:prstGeom prst="rect">
+            <a:avLst/>
+          </a:prstGeom>
+          <a:solidFill>
+            <a:srgbClr val="FFFFFF">
+              <a:alpha val="69804"/>
+            </a:srgbClr>
+          </a:solidFill>
+        </p:spPr>
+        <p:txBody>
+          <a:bodyPr wrap="none" lIns="0" tIns="0" rIns="0" bIns="0" rtlCol="0">
+            <a:spAutoFit/>
+          </a:bodyPr>
+          <a:lstStyle/>
+          <a:p>
+            <a:r>
+              <a:rPr lang="en-US" sz="800" b="1" dirty="0" smtClean="0"/>
+              <a:t>Source</a:t>
+            </a:r>
+            <a:endParaRPr lang="en-US" sz="800" b="1" dirty="0"/>
+          </a:p>
+        </p:txBody>
+      </p:sp>
+      <p:sp>
+        <p:nvSpPr>
+          <p:cNvPr id="22" name="Rectangle 21"/>
+          <p:cNvSpPr/>
+          <p:nvPr/>
+        </p:nvSpPr>
+        <p:spPr>
+          <a:xfrm>
+            <a:off x="4352925" y="2978150"/>
+            <a:ext cx="1235075" cy="95250"/>
+          </a:xfrm>
+          <a:prstGeom prst="rect">
+            <a:avLst/>
+          </a:prstGeom>
+          <a:noFill/>
+          <a:ln w="19050">
+            <a:solidFill>
+              <a:srgbClr val="CCCC00"/>
+            </a:solidFill>
+          </a:ln>
+        </p:spPr>
+        <p:style>
+          <a:lnRef idx="2">
+            <a:schemeClr val="accent1">
+              <a:shade val="50000"/>
+            </a:schemeClr>
+          </a:lnRef>
+          <a:fillRef idx="1">
+            <a:schemeClr val="accent1"/>
+          </a:fillRef>
+          <a:effectRef idx="0">
+            <a:schemeClr val="accent1"/>
+          </a:effectRef>
+          <a:fontRef idx="minor">
+            <a:schemeClr val="lt1"/>
+          </a:fontRef>
+        </p:style>
+        <p:txBody>
+          <a:bodyPr rtlCol="0" anchor="ctr"/>
+          <a:lstStyle/>
+          <a:p>
+            <a:pPr algn="ctr"/>
+            <a:endParaRPr lang="en-US"/>
+          </a:p>
+        </p:txBody>
+      </p:sp>
+      <p:sp>
+        <p:nvSpPr>
+          <p:cNvPr id="23" name="TextBox 22"/>
+          <p:cNvSpPr txBox="1"/>
+          <p:nvPr/>
+        </p:nvSpPr>
+        <p:spPr>
+          <a:xfrm>
+            <a:off x="3238286" y="2774950"/>
+            <a:ext cx="317395" cy="123111"/>
+          </a:xfrm>
+          <a:prstGeom prst="rect">
+            <a:avLst/>
+          </a:prstGeom>
+          <a:solidFill>
+            <a:srgbClr val="FFFFFF">
+              <a:alpha val="69804"/>
+            </a:srgbClr>
+          </a:solidFill>
+        </p:spPr>
+        <p:txBody>
+          <a:bodyPr wrap="none" lIns="0" tIns="0" rIns="0" bIns="0" rtlCol="0">
+            <a:spAutoFit/>
+          </a:bodyPr>
+          <a:lstStyle/>
+          <a:p>
+            <a:r>
+              <a:rPr lang="en-US" sz="800" b="1" dirty="0" smtClean="0"/>
+              <a:t>Excerpt</a:t>
+            </a:r>
+            <a:endParaRPr lang="en-US" sz="800" b="1" dirty="0"/>
+          </a:p>
+        </p:txBody>
+      </p:sp>
+      <p:sp>
+        <p:nvSpPr>
+          <p:cNvPr id="24" name="Freeform 23"/>
+          <p:cNvSpPr/>
+          <p:nvPr/>
+        </p:nvSpPr>
+        <p:spPr>
+          <a:xfrm>
+            <a:off x="3587750" y="3100387"/>
+            <a:ext cx="1008062" cy="91440"/>
+          </a:xfrm>
+          <a:custGeom>
+            <a:avLst/>
+            <a:gdLst>
+              <a:gd name="connsiteX0" fmla="*/ 0 w 1228725"/>
+              <a:gd name="connsiteY0" fmla="*/ 71437 h 71437"/>
+              <a:gd name="connsiteX1" fmla="*/ 1228725 w 1228725"/>
+              <a:gd name="connsiteY1" fmla="*/ 71437 h 71437"/>
+              <a:gd name="connsiteX2" fmla="*/ 1228725 w 1228725"/>
+              <a:gd name="connsiteY2" fmla="*/ 0 h 71437"/>
+            </a:gdLst>
+            <a:ahLst/>
+            <a:cxnLst>
+              <a:cxn ang="0">
+                <a:pos x="connsiteX0" y="connsiteY0"/>
+              </a:cxn>
+              <a:cxn ang="0">
+                <a:pos x="connsiteX1" y="connsiteY1"/>
+              </a:cxn>
+              <a:cxn ang="0">
+                <a:pos x="connsiteX2" y="connsiteY2"/>
+              </a:cxn>
+            </a:cxnLst>
+            <a:rect l="l" t="t" r="r" b="b"/>
+            <a:pathLst>
+              <a:path w="1228725" h="71437">
+                <a:moveTo>
+                  <a:pt x="0" y="71437"/>
+                </a:moveTo>
+                <a:lnTo>
+                  <a:pt x="1228725" y="71437"/>
+                </a:lnTo>
+                <a:lnTo>
+                  <a:pt x="1228725" y="0"/>
+                </a:lnTo>
+              </a:path>
+            </a:pathLst>
+          </a:custGeom>
+          <a:ln w="12700">
+            <a:solidFill>
+              <a:schemeClr val="tx1"/>
+            </a:solidFill>
+            <a:headEnd type="none" w="med" len="med"/>
+            <a:tailEnd type="triangle" w="sm" len="sm"/>
+          </a:ln>
+        </p:spPr>
+        <p:style>
+          <a:lnRef idx="1">
+            <a:schemeClr val="accent1"/>
+          </a:lnRef>
+          <a:fillRef idx="0">
+            <a:schemeClr val="accent1"/>
+          </a:fillRef>
+          <a:effectRef idx="0">
+            <a:schemeClr val="accent1"/>
+          </a:effectRef>
+          <a:fontRef idx="minor">
+            <a:schemeClr val="tx1"/>
+          </a:fontRef>
+        </p:style>
+        <p:txBody>
+          <a:bodyPr rtlCol="0" anchor="ctr"/>
+          <a:lstStyle/>
+          <a:p>
+            <a:pPr algn="ctr"/>
+            <a:endParaRPr lang="en-US"/>
+          </a:p>
+        </p:txBody>
+      </p:sp>
+      <p:pic>
+        <p:nvPicPr>
+          <p:cNvPr id="25" name="Picture 6"/>
+          <p:cNvPicPr>
+            <a:picLocks noChangeAspect="1" noChangeArrowheads="1"/>
+          </p:cNvPicPr>
+          <p:nvPr/>
+        </p:nvPicPr>
+        <p:blipFill>
+          <a:blip r:embed="rId2" cstate="print"/>
+          <a:srcRect l="25774" t="80483"/>
+          <a:stretch>
+            <a:fillRect/>
+          </a:stretch>
+        </p:blipFill>
+        <p:spPr bwMode="auto">
+          <a:xfrm>
+            <a:off x="3690938" y="3305260"/>
+            <a:ext cx="2857436" cy="733340"/>
+          </a:xfrm>
+          <a:prstGeom prst="rect">
+            <a:avLst/>
+          </a:prstGeom>
+          <a:noFill/>
+          <a:ln w="9525">
+            <a:noFill/>
+            <a:miter lim="800000"/>
+            <a:headEnd/>
+            <a:tailEnd/>
+          </a:ln>
+        </p:spPr>
+      </p:pic>
+      <p:sp>
+        <p:nvSpPr>
+          <p:cNvPr id="26" name="TextBox 25"/>
+          <p:cNvSpPr txBox="1"/>
+          <p:nvPr/>
+        </p:nvSpPr>
+        <p:spPr>
+          <a:xfrm>
+            <a:off x="2839138" y="3924300"/>
+            <a:ext cx="716543" cy="123111"/>
+          </a:xfrm>
+          <a:prstGeom prst="rect">
+            <a:avLst/>
+          </a:prstGeom>
+          <a:solidFill>
+            <a:srgbClr val="FFFFFF">
+              <a:alpha val="69804"/>
+            </a:srgbClr>
+          </a:solidFill>
+        </p:spPr>
+        <p:txBody>
+          <a:bodyPr wrap="none" lIns="0" tIns="0" rIns="0" bIns="0" rtlCol="0">
+            <a:spAutoFit/>
+          </a:bodyPr>
+          <a:lstStyle/>
+          <a:p>
+            <a:r>
+              <a:rPr lang="en-US" sz="800" b="1" dirty="0" smtClean="0"/>
+              <a:t>Inline Thumbnail</a:t>
+            </a:r>
+            <a:endParaRPr lang="en-US" sz="800" b="1" dirty="0"/>
+          </a:p>
+        </p:txBody>
+      </p:sp>
+      <p:sp>
+        <p:nvSpPr>
+          <p:cNvPr id="28" name="Rectangle 27"/>
+          <p:cNvSpPr/>
+          <p:nvPr/>
+        </p:nvSpPr>
+        <p:spPr>
+          <a:xfrm>
+            <a:off x="5019626" y="3595689"/>
+            <a:ext cx="137160" cy="137160"/>
+          </a:xfrm>
+          <a:prstGeom prst="rect">
+            <a:avLst/>
+          </a:prstGeom>
+          <a:noFill/>
+          <a:ln w="19050">
+            <a:solidFill>
+              <a:schemeClr val="accent6">
+                <a:lumMod val="75000"/>
+              </a:schemeClr>
+            </a:solidFill>
+          </a:ln>
+        </p:spPr>
+        <p:style>
+          <a:lnRef idx="2">
+            <a:schemeClr val="accent1">
+              <a:shade val="50000"/>
+            </a:schemeClr>
+          </a:lnRef>
+          <a:fillRef idx="1">
+            <a:schemeClr val="accent1"/>
+          </a:fillRef>
+          <a:effectRef idx="0">
+            <a:schemeClr val="accent1"/>
+          </a:effectRef>
+          <a:fontRef idx="minor">
+            <a:schemeClr val="lt1"/>
+          </a:fontRef>
+        </p:style>
+        <p:txBody>
+          <a:bodyPr rtlCol="0" anchor="ctr"/>
+          <a:lstStyle/>
+          <a:p>
+            <a:pPr algn="ctr"/>
+            <a:endParaRPr lang="en-US"/>
+          </a:p>
+        </p:txBody>
+      </p:sp>
+      <p:sp>
+        <p:nvSpPr>
+          <p:cNvPr id="29" name="Rectangle 28"/>
+          <p:cNvSpPr/>
+          <p:nvPr/>
+        </p:nvSpPr>
+        <p:spPr>
+          <a:xfrm>
+            <a:off x="5381598" y="3419442"/>
+            <a:ext cx="137160" cy="137160"/>
+          </a:xfrm>
+          <a:prstGeom prst="rect">
+            <a:avLst/>
+          </a:prstGeom>
+          <a:noFill/>
+          <a:ln w="19050">
+            <a:solidFill>
+              <a:schemeClr val="accent6">
+                <a:lumMod val="75000"/>
+              </a:schemeClr>
+            </a:solidFill>
+          </a:ln>
+        </p:spPr>
+        <p:style>
+          <a:lnRef idx="2">
+            <a:schemeClr val="accent1">
+              <a:shade val="50000"/>
+            </a:schemeClr>
+          </a:lnRef>
+          <a:fillRef idx="1">
+            <a:schemeClr val="accent1"/>
+          </a:fillRef>
+          <a:effectRef idx="0">
+            <a:schemeClr val="accent1"/>
+          </a:effectRef>
+          <a:fontRef idx="minor">
+            <a:schemeClr val="lt1"/>
+          </a:fontRef>
+        </p:style>
+        <p:txBody>
+          <a:bodyPr rtlCol="0" anchor="ctr"/>
+          <a:lstStyle/>
+          <a:p>
+            <a:pPr algn="ctr"/>
+            <a:endParaRPr lang="en-US"/>
+          </a:p>
+        </p:txBody>
+      </p:sp>
+      <p:sp>
+        <p:nvSpPr>
+          <p:cNvPr id="60" name="TextBox 59"/>
+          <p:cNvSpPr txBox="1"/>
+          <p:nvPr/>
+        </p:nvSpPr>
+        <p:spPr>
+          <a:xfrm>
+            <a:off x="3175769" y="3328749"/>
+            <a:ext cx="379912" cy="123111"/>
+          </a:xfrm>
+          <a:prstGeom prst="rect">
+            <a:avLst/>
+          </a:prstGeom>
+          <a:solidFill>
+            <a:srgbClr val="FFFFFF">
+              <a:alpha val="69804"/>
+            </a:srgbClr>
+          </a:solidFill>
+        </p:spPr>
+        <p:txBody>
+          <a:bodyPr wrap="none" lIns="0" tIns="0" rIns="0" bIns="0" rtlCol="0">
+            <a:spAutoFit/>
+          </a:bodyPr>
+          <a:lstStyle/>
+          <a:p>
+            <a:r>
+              <a:rPr lang="en-US" sz="800" b="1" dirty="0" smtClean="0"/>
+              <a:t>Category</a:t>
+            </a:r>
+            <a:endParaRPr lang="en-US" sz="800" b="1" dirty="0"/>
+          </a:p>
+        </p:txBody>
+      </p:sp>
+      <p:sp>
+        <p:nvSpPr>
+          <p:cNvPr id="61" name="Rectangle 60"/>
+          <p:cNvSpPr/>
+          <p:nvPr/>
+        </p:nvSpPr>
+        <p:spPr>
+          <a:xfrm>
+            <a:off x="3714750" y="3429000"/>
+            <a:ext cx="617220" cy="502920"/>
+          </a:xfrm>
+          <a:prstGeom prst="rect">
+            <a:avLst/>
+          </a:prstGeom>
+          <a:noFill/>
+          <a:ln w="19050">
+            <a:solidFill>
+              <a:srgbClr val="800080"/>
+            </a:solidFill>
+          </a:ln>
+        </p:spPr>
+        <p:style>
+          <a:lnRef idx="2">
+            <a:schemeClr val="accent1">
+              <a:shade val="50000"/>
+            </a:schemeClr>
+          </a:lnRef>
+          <a:fillRef idx="1">
+            <a:schemeClr val="accent1"/>
+          </a:fillRef>
+          <a:effectRef idx="0">
+            <a:schemeClr val="accent1"/>
+          </a:effectRef>
+          <a:fontRef idx="minor">
+            <a:schemeClr val="lt1"/>
+          </a:fontRef>
+        </p:style>
+        <p:txBody>
+          <a:bodyPr rtlCol="0" anchor="ctr"/>
+          <a:lstStyle/>
+          <a:p>
+            <a:pPr algn="ctr"/>
+            <a:endParaRPr lang="en-US"/>
+          </a:p>
+        </p:txBody>
+      </p:sp>
+      <p:sp>
+        <p:nvSpPr>
+          <p:cNvPr id="59" name="Rectangle 58"/>
+          <p:cNvSpPr/>
+          <p:nvPr/>
+        </p:nvSpPr>
+        <p:spPr>
+          <a:xfrm>
+            <a:off x="3703320" y="3337560"/>
+            <a:ext cx="186690" cy="118110"/>
+          </a:xfrm>
+          <a:prstGeom prst="rect">
+            <a:avLst/>
+          </a:prstGeom>
+          <a:noFill/>
+          <a:ln w="19050">
+            <a:solidFill>
+              <a:schemeClr val="bg2">
+                <a:lumMod val="50000"/>
+              </a:schemeClr>
+            </a:solidFill>
+          </a:ln>
+        </p:spPr>
+        <p:style>
+          <a:lnRef idx="2">
+            <a:schemeClr val="accent1">
+              <a:shade val="50000"/>
+            </a:schemeClr>
+          </a:lnRef>
+          <a:fillRef idx="1">
+            <a:schemeClr val="accent1"/>
+          </a:fillRef>
+          <a:effectRef idx="0">
+            <a:schemeClr val="accent1"/>
+          </a:effectRef>
+          <a:fontRef idx="minor">
+            <a:schemeClr val="lt1"/>
+          </a:fontRef>
+        </p:style>
+        <p:txBody>
+          <a:bodyPr rtlCol="0" anchor="ctr"/>
+          <a:lstStyle/>
+          <a:p>
+            <a:pPr algn="ctr"/>
+            <a:endParaRPr lang="en-US"/>
+          </a:p>
+        </p:txBody>
+      </p:sp>
+      <p:sp>
+        <p:nvSpPr>
+          <p:cNvPr id="62" name="TextBox 61"/>
+          <p:cNvSpPr txBox="1"/>
+          <p:nvPr/>
+        </p:nvSpPr>
+        <p:spPr>
+          <a:xfrm>
+            <a:off x="2682044" y="3501148"/>
+            <a:ext cx="873637" cy="123111"/>
+          </a:xfrm>
+          <a:prstGeom prst="rect">
+            <a:avLst/>
+          </a:prstGeom>
+          <a:solidFill>
+            <a:srgbClr val="FFFFFF">
+              <a:alpha val="69804"/>
+            </a:srgbClr>
+          </a:solidFill>
+        </p:spPr>
+        <p:txBody>
+          <a:bodyPr wrap="none" lIns="0" tIns="0" rIns="0" bIns="0" rtlCol="0">
+            <a:spAutoFit/>
+          </a:bodyPr>
+          <a:lstStyle/>
+          <a:p>
+            <a:r>
+              <a:rPr lang="en-US" sz="800" b="1" dirty="0" smtClean="0"/>
+              <a:t>Matched Screenshot</a:t>
+            </a:r>
+            <a:endParaRPr lang="en-US" sz="800" b="1" dirty="0"/>
+          </a:p>
+        </p:txBody>
+      </p:sp>
+      <p:sp>
+        <p:nvSpPr>
+          <p:cNvPr id="63" name="TextBox 62"/>
+          <p:cNvSpPr txBox="1"/>
+          <p:nvPr/>
+        </p:nvSpPr>
+        <p:spPr>
+          <a:xfrm>
+            <a:off x="3350497" y="3639256"/>
+            <a:ext cx="205184" cy="123111"/>
+          </a:xfrm>
+          <a:prstGeom prst="rect">
+            <a:avLst/>
+          </a:prstGeom>
+          <a:solidFill>
+            <a:srgbClr val="FFFFFF">
+              <a:alpha val="69804"/>
+            </a:srgbClr>
+          </a:solidFill>
+        </p:spPr>
+        <p:txBody>
+          <a:bodyPr wrap="none" lIns="0" tIns="0" rIns="0" bIns="0" rtlCol="0">
+            <a:spAutoFit/>
+          </a:bodyPr>
+          <a:lstStyle/>
+          <a:p>
+            <a:r>
+              <a:rPr lang="en-US" sz="800" b="1" dirty="0" smtClean="0"/>
+              <a:t>Page</a:t>
+            </a:r>
+            <a:endParaRPr lang="en-US" sz="800" b="1" dirty="0"/>
+          </a:p>
+        </p:txBody>
+      </p:sp>
+      <p:sp>
+        <p:nvSpPr>
+          <p:cNvPr id="64" name="Rectangle 63"/>
+          <p:cNvSpPr/>
+          <p:nvPr/>
+        </p:nvSpPr>
+        <p:spPr>
+          <a:xfrm>
+            <a:off x="4358640" y="3649972"/>
+            <a:ext cx="175260" cy="87630"/>
+          </a:xfrm>
+          <a:prstGeom prst="rect">
+            <a:avLst/>
+          </a:prstGeom>
+          <a:noFill/>
+          <a:ln w="19050">
+            <a:solidFill>
+              <a:srgbClr val="00B050"/>
+            </a:solidFill>
+          </a:ln>
+        </p:spPr>
+        <p:style>
+          <a:lnRef idx="2">
+            <a:schemeClr val="accent1">
+              <a:shade val="50000"/>
+            </a:schemeClr>
+          </a:lnRef>
+          <a:fillRef idx="1">
+            <a:schemeClr val="accent1"/>
+          </a:fillRef>
+          <a:effectRef idx="0">
+            <a:schemeClr val="accent1"/>
+          </a:effectRef>
+          <a:fontRef idx="minor">
+            <a:schemeClr val="lt1"/>
+          </a:fontRef>
+        </p:style>
+        <p:txBody>
+          <a:bodyPr rtlCol="0" anchor="ctr"/>
+          <a:lstStyle/>
+          <a:p>
+            <a:pPr algn="ctr"/>
+            <a:endParaRPr lang="en-US"/>
+          </a:p>
+        </p:txBody>
+      </p:sp>
+      <p:sp>
+        <p:nvSpPr>
+          <p:cNvPr id="65" name="Freeform 64"/>
+          <p:cNvSpPr/>
+          <p:nvPr/>
+        </p:nvSpPr>
+        <p:spPr>
+          <a:xfrm flipV="1">
+            <a:off x="3585209" y="3657592"/>
+            <a:ext cx="793115" cy="50799"/>
+          </a:xfrm>
+          <a:custGeom>
+            <a:avLst/>
+            <a:gdLst>
+              <a:gd name="connsiteX0" fmla="*/ 0 w 1228725"/>
+              <a:gd name="connsiteY0" fmla="*/ 71437 h 71437"/>
+              <a:gd name="connsiteX1" fmla="*/ 1228725 w 1228725"/>
+              <a:gd name="connsiteY1" fmla="*/ 71437 h 71437"/>
+              <a:gd name="connsiteX2" fmla="*/ 1228725 w 1228725"/>
+              <a:gd name="connsiteY2" fmla="*/ 0 h 71437"/>
+              <a:gd name="connsiteX0" fmla="*/ 0 w 1228725"/>
+              <a:gd name="connsiteY0" fmla="*/ 0 h 0"/>
+              <a:gd name="connsiteX1" fmla="*/ 1228725 w 1228725"/>
+              <a:gd name="connsiteY1" fmla="*/ 0 h 0"/>
+            </a:gdLst>
+            <a:ahLst/>
+            <a:cxnLst>
+              <a:cxn ang="0">
+                <a:pos x="connsiteX0" y="connsiteY0"/>
+              </a:cxn>
+              <a:cxn ang="0">
+                <a:pos x="connsiteX1" y="connsiteY1"/>
+              </a:cxn>
+            </a:cxnLst>
+            <a:rect l="l" t="t" r="r" b="b"/>
+            <a:pathLst>
+              <a:path w="1228725">
+                <a:moveTo>
+                  <a:pt x="0" y="0"/>
+                </a:moveTo>
+                <a:lnTo>
+                  <a:pt x="1228725" y="0"/>
+                </a:lnTo>
+              </a:path>
+            </a:pathLst>
+          </a:custGeom>
+          <a:ln w="12700">
+            <a:solidFill>
+              <a:schemeClr val="tx1"/>
+            </a:solidFill>
+            <a:headEnd type="none" w="med" len="med"/>
+            <a:tailEnd type="triangle" w="sm" len="sm"/>
+          </a:ln>
+        </p:spPr>
+        <p:style>
+          <a:lnRef idx="1">
+            <a:schemeClr val="accent1"/>
+          </a:lnRef>
+          <a:fillRef idx="0">
+            <a:schemeClr val="accent1"/>
+          </a:fillRef>
+          <a:effectRef idx="0">
+            <a:schemeClr val="accent1"/>
+          </a:effectRef>
+          <a:fontRef idx="minor">
+            <a:schemeClr val="tx1"/>
+          </a:fontRef>
+        </p:style>
+        <p:txBody>
+          <a:bodyPr rtlCol="0" anchor="ctr"/>
+          <a:lstStyle/>
+          <a:p>
+            <a:pPr algn="ctr"/>
+            <a:endParaRPr lang="en-US"/>
+          </a:p>
+        </p:txBody>
+      </p:sp>
+      <p:sp>
+        <p:nvSpPr>
+          <p:cNvPr id="66" name="TextBox 65"/>
+          <p:cNvSpPr txBox="1"/>
+          <p:nvPr/>
+        </p:nvSpPr>
+        <p:spPr>
+          <a:xfrm>
+            <a:off x="3366527" y="2559050"/>
+            <a:ext cx="189154" cy="123111"/>
+          </a:xfrm>
+          <a:prstGeom prst="rect">
+            <a:avLst/>
+          </a:prstGeom>
+          <a:solidFill>
+            <a:srgbClr val="FFFFFF">
+              <a:alpha val="69804"/>
+            </a:srgbClr>
+          </a:solidFill>
+        </p:spPr>
+        <p:txBody>
+          <a:bodyPr wrap="none" lIns="0" tIns="0" rIns="0" bIns="0" rtlCol="0">
+            <a:spAutoFit/>
+          </a:bodyPr>
+          <a:lstStyle/>
+          <a:p>
+            <a:r>
+              <a:rPr lang="en-US" sz="800" b="1" dirty="0" smtClean="0"/>
+              <a:t>Title</a:t>
+            </a:r>
+            <a:endParaRPr lang="en-US" sz="800" b="1" dirty="0"/>
+          </a:p>
+        </p:txBody>
+      </p:sp>
+      <p:sp>
+        <p:nvSpPr>
+          <p:cNvPr id="70" name="Freeform 69"/>
+          <p:cNvSpPr/>
+          <p:nvPr/>
+        </p:nvSpPr>
+        <p:spPr>
+          <a:xfrm flipV="1">
+            <a:off x="3581400" y="2590800"/>
+            <a:ext cx="137160" cy="45719"/>
+          </a:xfrm>
+          <a:custGeom>
+            <a:avLst/>
+            <a:gdLst>
+              <a:gd name="connsiteX0" fmla="*/ 0 w 1228725"/>
+              <a:gd name="connsiteY0" fmla="*/ 71437 h 71437"/>
+              <a:gd name="connsiteX1" fmla="*/ 1228725 w 1228725"/>
+              <a:gd name="connsiteY1" fmla="*/ 71437 h 71437"/>
+              <a:gd name="connsiteX2" fmla="*/ 1228725 w 1228725"/>
+              <a:gd name="connsiteY2" fmla="*/ 0 h 71437"/>
+              <a:gd name="connsiteX0" fmla="*/ 0 w 1228725"/>
+              <a:gd name="connsiteY0" fmla="*/ 0 h 0"/>
+              <a:gd name="connsiteX1" fmla="*/ 1228725 w 1228725"/>
+              <a:gd name="connsiteY1" fmla="*/ 0 h 0"/>
+            </a:gdLst>
+            <a:ahLst/>
+            <a:cxnLst>
+              <a:cxn ang="0">
+                <a:pos x="connsiteX0" y="connsiteY0"/>
+              </a:cxn>
+              <a:cxn ang="0">
+                <a:pos x="connsiteX1" y="connsiteY1"/>
+              </a:cxn>
+            </a:cxnLst>
+            <a:rect l="l" t="t" r="r" b="b"/>
+            <a:pathLst>
+              <a:path w="1228725">
+                <a:moveTo>
+                  <a:pt x="0" y="0"/>
+                </a:moveTo>
+                <a:lnTo>
+                  <a:pt x="1228725" y="0"/>
+                </a:lnTo>
+              </a:path>
+            </a:pathLst>
+          </a:custGeom>
+          <a:ln w="12700">
+            <a:solidFill>
+              <a:schemeClr val="tx1"/>
+            </a:solidFill>
+            <a:headEnd type="none" w="med" len="med"/>
+            <a:tailEnd type="triangle" w="sm" len="sm"/>
+          </a:ln>
+        </p:spPr>
+        <p:style>
+          <a:lnRef idx="1">
+            <a:schemeClr val="accent1"/>
+          </a:lnRef>
+          <a:fillRef idx="0">
+            <a:schemeClr val="accent1"/>
+          </a:fillRef>
+          <a:effectRef idx="0">
+            <a:schemeClr val="accent1"/>
+          </a:effectRef>
+          <a:fontRef idx="minor">
+            <a:schemeClr val="tx1"/>
+          </a:fontRef>
+        </p:style>
+        <p:txBody>
+          <a:bodyPr rtlCol="0" anchor="ctr"/>
+          <a:lstStyle/>
+          <a:p>
+            <a:pPr algn="ctr"/>
+            <a:endParaRPr lang="en-US"/>
+          </a:p>
+        </p:txBody>
+      </p:sp>
+      <p:sp>
+        <p:nvSpPr>
+          <p:cNvPr id="71" name="Freeform 70"/>
+          <p:cNvSpPr/>
+          <p:nvPr/>
+        </p:nvSpPr>
+        <p:spPr>
+          <a:xfrm flipV="1">
+            <a:off x="3581400" y="2794000"/>
+            <a:ext cx="137160" cy="45719"/>
+          </a:xfrm>
+          <a:custGeom>
+            <a:avLst/>
+            <a:gdLst>
+              <a:gd name="connsiteX0" fmla="*/ 0 w 1228725"/>
+              <a:gd name="connsiteY0" fmla="*/ 71437 h 71437"/>
+              <a:gd name="connsiteX1" fmla="*/ 1228725 w 1228725"/>
+              <a:gd name="connsiteY1" fmla="*/ 71437 h 71437"/>
+              <a:gd name="connsiteX2" fmla="*/ 1228725 w 1228725"/>
+              <a:gd name="connsiteY2" fmla="*/ 0 h 71437"/>
+              <a:gd name="connsiteX0" fmla="*/ 0 w 1228725"/>
+              <a:gd name="connsiteY0" fmla="*/ 0 h 0"/>
+              <a:gd name="connsiteX1" fmla="*/ 1228725 w 1228725"/>
+              <a:gd name="connsiteY1" fmla="*/ 0 h 0"/>
+            </a:gdLst>
+            <a:ahLst/>
+            <a:cxnLst>
+              <a:cxn ang="0">
+                <a:pos x="connsiteX0" y="connsiteY0"/>
+              </a:cxn>
+              <a:cxn ang="0">
+                <a:pos x="connsiteX1" y="connsiteY1"/>
+              </a:cxn>
+            </a:cxnLst>
+            <a:rect l="l" t="t" r="r" b="b"/>
+            <a:pathLst>
+              <a:path w="1228725">
+                <a:moveTo>
+                  <a:pt x="0" y="0"/>
+                </a:moveTo>
+                <a:lnTo>
+                  <a:pt x="1228725" y="0"/>
+                </a:lnTo>
+              </a:path>
+            </a:pathLst>
+          </a:custGeom>
+          <a:ln w="12700">
+            <a:solidFill>
+              <a:schemeClr val="tx1"/>
+            </a:solidFill>
+            <a:headEnd type="none" w="med" len="med"/>
+            <a:tailEnd type="triangle" w="sm" len="sm"/>
+          </a:ln>
+        </p:spPr>
+        <p:style>
+          <a:lnRef idx="1">
+            <a:schemeClr val="accent1"/>
+          </a:lnRef>
+          <a:fillRef idx="0">
+            <a:schemeClr val="accent1"/>
+          </a:fillRef>
+          <a:effectRef idx="0">
+            <a:schemeClr val="accent1"/>
+          </a:effectRef>
+          <a:fontRef idx="minor">
+            <a:schemeClr val="tx1"/>
+          </a:fontRef>
+        </p:style>
+        <p:txBody>
+          <a:bodyPr rtlCol="0" anchor="ctr"/>
+          <a:lstStyle/>
+          <a:p>
+            <a:pPr algn="ctr"/>
+            <a:endParaRPr lang="en-US"/>
+          </a:p>
+        </p:txBody>
+      </p:sp>
+      <p:sp>
+        <p:nvSpPr>
+          <p:cNvPr id="72" name="Freeform 71"/>
+          <p:cNvSpPr/>
+          <p:nvPr/>
+        </p:nvSpPr>
+        <p:spPr>
+          <a:xfrm flipV="1">
+            <a:off x="3581400" y="3352800"/>
+            <a:ext cx="137160" cy="45719"/>
+          </a:xfrm>
+          <a:custGeom>
+            <a:avLst/>
+            <a:gdLst>
+              <a:gd name="connsiteX0" fmla="*/ 0 w 1228725"/>
+              <a:gd name="connsiteY0" fmla="*/ 71437 h 71437"/>
+              <a:gd name="connsiteX1" fmla="*/ 1228725 w 1228725"/>
+              <a:gd name="connsiteY1" fmla="*/ 71437 h 71437"/>
+              <a:gd name="connsiteX2" fmla="*/ 1228725 w 1228725"/>
+              <a:gd name="connsiteY2" fmla="*/ 0 h 71437"/>
+              <a:gd name="connsiteX0" fmla="*/ 0 w 1228725"/>
+              <a:gd name="connsiteY0" fmla="*/ 0 h 0"/>
+              <a:gd name="connsiteX1" fmla="*/ 1228725 w 1228725"/>
+              <a:gd name="connsiteY1" fmla="*/ 0 h 0"/>
+            </a:gdLst>
+            <a:ahLst/>
+            <a:cxnLst>
+              <a:cxn ang="0">
+                <a:pos x="connsiteX0" y="connsiteY0"/>
+              </a:cxn>
+              <a:cxn ang="0">
+                <a:pos x="connsiteX1" y="connsiteY1"/>
+              </a:cxn>
+            </a:cxnLst>
+            <a:rect l="l" t="t" r="r" b="b"/>
+            <a:pathLst>
+              <a:path w="1228725">
+                <a:moveTo>
+                  <a:pt x="0" y="0"/>
+                </a:moveTo>
+                <a:lnTo>
+                  <a:pt x="1228725" y="0"/>
+                </a:lnTo>
+              </a:path>
+            </a:pathLst>
+          </a:custGeom>
+          <a:ln w="12700">
+            <a:solidFill>
+              <a:schemeClr val="tx1"/>
+            </a:solidFill>
+            <a:headEnd type="none" w="med" len="med"/>
+            <a:tailEnd type="triangle" w="sm" len="sm"/>
+          </a:ln>
+        </p:spPr>
+        <p:style>
+          <a:lnRef idx="1">
+            <a:schemeClr val="accent1"/>
+          </a:lnRef>
+          <a:fillRef idx="0">
+            <a:schemeClr val="accent1"/>
+          </a:fillRef>
+          <a:effectRef idx="0">
+            <a:schemeClr val="accent1"/>
+          </a:effectRef>
+          <a:fontRef idx="minor">
+            <a:schemeClr val="tx1"/>
+          </a:fontRef>
+        </p:style>
+        <p:txBody>
+          <a:bodyPr rtlCol="0" anchor="ctr"/>
+          <a:lstStyle/>
+          <a:p>
+            <a:pPr algn="ctr"/>
+            <a:endParaRPr lang="en-US"/>
+          </a:p>
+        </p:txBody>
+      </p:sp>
+      <p:sp>
+        <p:nvSpPr>
+          <p:cNvPr id="73" name="Freeform 72"/>
+          <p:cNvSpPr/>
+          <p:nvPr/>
+        </p:nvSpPr>
+        <p:spPr>
+          <a:xfrm flipV="1">
+            <a:off x="3581400" y="3519484"/>
+            <a:ext cx="137160" cy="45719"/>
+          </a:xfrm>
+          <a:custGeom>
+            <a:avLst/>
+            <a:gdLst>
+              <a:gd name="connsiteX0" fmla="*/ 0 w 1228725"/>
+              <a:gd name="connsiteY0" fmla="*/ 71437 h 71437"/>
+              <a:gd name="connsiteX1" fmla="*/ 1228725 w 1228725"/>
+              <a:gd name="connsiteY1" fmla="*/ 71437 h 71437"/>
+              <a:gd name="connsiteX2" fmla="*/ 1228725 w 1228725"/>
+              <a:gd name="connsiteY2" fmla="*/ 0 h 71437"/>
+              <a:gd name="connsiteX0" fmla="*/ 0 w 1228725"/>
+              <a:gd name="connsiteY0" fmla="*/ 0 h 0"/>
+              <a:gd name="connsiteX1" fmla="*/ 1228725 w 1228725"/>
+              <a:gd name="connsiteY1" fmla="*/ 0 h 0"/>
+            </a:gdLst>
+            <a:ahLst/>
+            <a:cxnLst>
+              <a:cxn ang="0">
+                <a:pos x="connsiteX0" y="connsiteY0"/>
+              </a:cxn>
+              <a:cxn ang="0">
+                <a:pos x="connsiteX1" y="connsiteY1"/>
+              </a:cxn>
+            </a:cxnLst>
+            <a:rect l="l" t="t" r="r" b="b"/>
+            <a:pathLst>
+              <a:path w="1228725">
+                <a:moveTo>
+                  <a:pt x="0" y="0"/>
+                </a:moveTo>
+                <a:lnTo>
+                  <a:pt x="1228725" y="0"/>
+                </a:lnTo>
+              </a:path>
+            </a:pathLst>
+          </a:custGeom>
+          <a:ln w="12700">
+            <a:solidFill>
+              <a:schemeClr val="tx1"/>
+            </a:solidFill>
+            <a:headEnd type="none" w="med" len="med"/>
+            <a:tailEnd type="triangle" w="sm" len="sm"/>
+          </a:ln>
+        </p:spPr>
+        <p:style>
+          <a:lnRef idx="1">
+            <a:schemeClr val="accent1"/>
+          </a:lnRef>
+          <a:fillRef idx="0">
+            <a:schemeClr val="accent1"/>
+          </a:fillRef>
+          <a:effectRef idx="0">
+            <a:schemeClr val="accent1"/>
+          </a:effectRef>
+          <a:fontRef idx="minor">
+            <a:schemeClr val="tx1"/>
+          </a:fontRef>
+        </p:style>
+        <p:txBody>
+          <a:bodyPr rtlCol="0" anchor="ctr"/>
+          <a:lstStyle/>
+          <a:p>
+            <a:pPr algn="ctr"/>
+            <a:endParaRPr lang="en-US"/>
+          </a:p>
+        </p:txBody>
+      </p:sp>
+      <p:sp>
+        <p:nvSpPr>
+          <p:cNvPr id="74" name="Rectangle 73"/>
+          <p:cNvSpPr/>
+          <p:nvPr/>
+        </p:nvSpPr>
+        <p:spPr>
+          <a:xfrm>
+            <a:off x="4352909" y="3790950"/>
+            <a:ext cx="1676416" cy="92144"/>
+          </a:xfrm>
+          <a:prstGeom prst="rect">
+            <a:avLst/>
+          </a:prstGeom>
+          <a:noFill/>
+          <a:ln w="19050">
+            <a:solidFill>
+              <a:srgbClr val="3399FF"/>
+            </a:solidFill>
+          </a:ln>
+        </p:spPr>
+        <p:style>
+          <a:lnRef idx="2">
+            <a:schemeClr val="accent1">
+              <a:shade val="50000"/>
+            </a:schemeClr>
+          </a:lnRef>
+          <a:fillRef idx="1">
+            <a:schemeClr val="accent1"/>
+          </a:fillRef>
+          <a:effectRef idx="0">
+            <a:schemeClr val="accent1"/>
+          </a:effectRef>
+          <a:fontRef idx="minor">
+            <a:schemeClr val="lt1"/>
+          </a:fontRef>
+        </p:style>
+        <p:txBody>
+          <a:bodyPr rtlCol="0" anchor="ctr"/>
+          <a:lstStyle/>
+          <a:p>
+            <a:pPr algn="ctr"/>
+            <a:endParaRPr lang="en-US"/>
+          </a:p>
+        </p:txBody>
+      </p:sp>
+      <p:sp>
+        <p:nvSpPr>
+          <p:cNvPr id="75" name="TextBox 74"/>
+          <p:cNvSpPr txBox="1"/>
+          <p:nvPr/>
+        </p:nvSpPr>
+        <p:spPr>
+          <a:xfrm>
+            <a:off x="2401519" y="3777367"/>
+            <a:ext cx="1154162" cy="123111"/>
+          </a:xfrm>
+          <a:prstGeom prst="rect">
+            <a:avLst/>
+          </a:prstGeom>
+          <a:solidFill>
+            <a:srgbClr val="FFFFFF">
+              <a:alpha val="69804"/>
+            </a:srgbClr>
+          </a:solidFill>
+        </p:spPr>
+        <p:txBody>
+          <a:bodyPr wrap="none" lIns="0" tIns="0" rIns="0" bIns="0" rtlCol="0">
+            <a:spAutoFit/>
+          </a:bodyPr>
+          <a:lstStyle/>
+          <a:p>
+            <a:r>
+              <a:rPr lang="en-US" sz="800" b="1" dirty="0" smtClean="0"/>
+              <a:t>Chapter / Section Headings</a:t>
+            </a:r>
+            <a:endParaRPr lang="en-US" sz="800" b="1" dirty="0"/>
+          </a:p>
+        </p:txBody>
+      </p:sp>
+      <p:sp>
+        <p:nvSpPr>
+          <p:cNvPr id="76" name="Freeform 75"/>
+          <p:cNvSpPr/>
+          <p:nvPr/>
+        </p:nvSpPr>
+        <p:spPr>
+          <a:xfrm flipV="1">
+            <a:off x="3594719" y="3795703"/>
+            <a:ext cx="793115" cy="50799"/>
+          </a:xfrm>
+          <a:custGeom>
+            <a:avLst/>
+            <a:gdLst>
+              <a:gd name="connsiteX0" fmla="*/ 0 w 1228725"/>
+              <a:gd name="connsiteY0" fmla="*/ 71437 h 71437"/>
+              <a:gd name="connsiteX1" fmla="*/ 1228725 w 1228725"/>
+              <a:gd name="connsiteY1" fmla="*/ 71437 h 71437"/>
+              <a:gd name="connsiteX2" fmla="*/ 1228725 w 1228725"/>
+              <a:gd name="connsiteY2" fmla="*/ 0 h 71437"/>
+              <a:gd name="connsiteX0" fmla="*/ 0 w 1228725"/>
+              <a:gd name="connsiteY0" fmla="*/ 0 h 0"/>
+              <a:gd name="connsiteX1" fmla="*/ 1228725 w 1228725"/>
+              <a:gd name="connsiteY1" fmla="*/ 0 h 0"/>
+            </a:gdLst>
+            <a:ahLst/>
+            <a:cxnLst>
+              <a:cxn ang="0">
+                <a:pos x="connsiteX0" y="connsiteY0"/>
+              </a:cxn>
+              <a:cxn ang="0">
+                <a:pos x="connsiteX1" y="connsiteY1"/>
+              </a:cxn>
+            </a:cxnLst>
+            <a:rect l="l" t="t" r="r" b="b"/>
+            <a:pathLst>
+              <a:path w="1228725">
+                <a:moveTo>
+                  <a:pt x="0" y="0"/>
+                </a:moveTo>
+                <a:lnTo>
+                  <a:pt x="1228725" y="0"/>
+                </a:lnTo>
+              </a:path>
+            </a:pathLst>
+          </a:custGeom>
+          <a:ln w="12700">
+            <a:solidFill>
+              <a:schemeClr val="tx1"/>
+            </a:solidFill>
+            <a:headEnd type="none" w="med" len="med"/>
+            <a:tailEnd type="triangle" w="sm" len="sm"/>
+          </a:ln>
+        </p:spPr>
+        <p:style>
+          <a:lnRef idx="1">
+            <a:schemeClr val="accent1"/>
+          </a:lnRef>
+          <a:fillRef idx="0">
+            <a:schemeClr val="accent1"/>
+          </a:fillRef>
+          <a:effectRef idx="0">
+            <a:schemeClr val="accent1"/>
+          </a:effectRef>
+          <a:fontRef idx="minor">
+            <a:schemeClr val="tx1"/>
+          </a:fontRef>
+        </p:style>
+        <p:txBody>
+          <a:bodyPr rtlCol="0" anchor="ctr"/>
+          <a:lstStyle/>
+          <a:p>
+            <a:pPr algn="ctr"/>
+            <a:endParaRPr lang="en-US"/>
+          </a:p>
+        </p:txBody>
+      </p:sp>
+      <p:sp>
+        <p:nvSpPr>
+          <p:cNvPr id="58" name="Freeform 57"/>
+          <p:cNvSpPr/>
+          <p:nvPr/>
+        </p:nvSpPr>
+        <p:spPr>
+          <a:xfrm>
+            <a:off x="3803316" y="3581400"/>
+            <a:ext cx="1652604" cy="415290"/>
+          </a:xfrm>
+          <a:custGeom>
+            <a:avLst/>
+            <a:gdLst>
+              <a:gd name="connsiteX0" fmla="*/ 0 w 1228725"/>
+              <a:gd name="connsiteY0" fmla="*/ 71437 h 71437"/>
+              <a:gd name="connsiteX1" fmla="*/ 1228725 w 1228725"/>
+              <a:gd name="connsiteY1" fmla="*/ 71437 h 71437"/>
+              <a:gd name="connsiteX2" fmla="*/ 1228725 w 1228725"/>
+              <a:gd name="connsiteY2" fmla="*/ 0 h 71437"/>
+            </a:gdLst>
+            <a:ahLst/>
+            <a:cxnLst>
+              <a:cxn ang="0">
+                <a:pos x="connsiteX0" y="connsiteY0"/>
+              </a:cxn>
+              <a:cxn ang="0">
+                <a:pos x="connsiteX1" y="connsiteY1"/>
+              </a:cxn>
+              <a:cxn ang="0">
+                <a:pos x="connsiteX2" y="connsiteY2"/>
+              </a:cxn>
+            </a:cxnLst>
+            <a:rect l="l" t="t" r="r" b="b"/>
+            <a:pathLst>
+              <a:path w="1228725" h="71437">
+                <a:moveTo>
+                  <a:pt x="0" y="71437"/>
+                </a:moveTo>
+                <a:lnTo>
+                  <a:pt x="1228725" y="71437"/>
+                </a:lnTo>
+                <a:lnTo>
+                  <a:pt x="1228725" y="0"/>
+                </a:lnTo>
+              </a:path>
+            </a:pathLst>
+          </a:custGeom>
+          <a:ln w="12700">
+            <a:solidFill>
+              <a:schemeClr val="tx1"/>
+            </a:solidFill>
+            <a:headEnd type="none" w="med" len="med"/>
+            <a:tailEnd type="triangle" w="sm" len="sm"/>
+          </a:ln>
+        </p:spPr>
+        <p:style>
+          <a:lnRef idx="1">
+            <a:schemeClr val="accent1"/>
+          </a:lnRef>
+          <a:fillRef idx="0">
+            <a:schemeClr val="accent1"/>
+          </a:fillRef>
+          <a:effectRef idx="0">
+            <a:schemeClr val="accent1"/>
+          </a:effectRef>
+          <a:fontRef idx="minor">
+            <a:schemeClr val="tx1"/>
+          </a:fontRef>
+        </p:style>
+        <p:txBody>
+          <a:bodyPr rtlCol="0" anchor="ctr"/>
+          <a:lstStyle/>
+          <a:p>
+            <a:pPr algn="ctr"/>
+            <a:endParaRPr lang="en-US"/>
+          </a:p>
+        </p:txBody>
+      </p:sp>
+      <p:sp>
+        <p:nvSpPr>
+          <p:cNvPr id="27" name="Freeform 26"/>
+          <p:cNvSpPr/>
+          <p:nvPr/>
+        </p:nvSpPr>
+        <p:spPr>
+          <a:xfrm>
+            <a:off x="3581400" y="3729990"/>
+            <a:ext cx="1508760" cy="267462"/>
+          </a:xfrm>
+          <a:custGeom>
+            <a:avLst/>
+            <a:gdLst>
+              <a:gd name="connsiteX0" fmla="*/ 0 w 1228725"/>
+              <a:gd name="connsiteY0" fmla="*/ 71437 h 71437"/>
+              <a:gd name="connsiteX1" fmla="*/ 1228725 w 1228725"/>
+              <a:gd name="connsiteY1" fmla="*/ 71437 h 71437"/>
+              <a:gd name="connsiteX2" fmla="*/ 1228725 w 1228725"/>
+              <a:gd name="connsiteY2" fmla="*/ 0 h 71437"/>
+            </a:gdLst>
+            <a:ahLst/>
+            <a:cxnLst>
+              <a:cxn ang="0">
+                <a:pos x="connsiteX0" y="connsiteY0"/>
+              </a:cxn>
+              <a:cxn ang="0">
+                <a:pos x="connsiteX1" y="connsiteY1"/>
+              </a:cxn>
+              <a:cxn ang="0">
+                <a:pos x="connsiteX2" y="connsiteY2"/>
+              </a:cxn>
+            </a:cxnLst>
+            <a:rect l="l" t="t" r="r" b="b"/>
+            <a:pathLst>
+              <a:path w="1228725" h="71437">
+                <a:moveTo>
+                  <a:pt x="0" y="71437"/>
+                </a:moveTo>
+                <a:lnTo>
+                  <a:pt x="1228725" y="71437"/>
+                </a:lnTo>
+                <a:lnTo>
+                  <a:pt x="1228725" y="0"/>
+                </a:lnTo>
+              </a:path>
+            </a:pathLst>
+          </a:custGeom>
+          <a:ln w="12700">
+            <a:solidFill>
+              <a:schemeClr val="tx1"/>
+            </a:solidFill>
+            <a:headEnd type="none" w="med" len="med"/>
+            <a:tailEnd type="triangle" w="sm" len="sm"/>
+          </a:ln>
+        </p:spPr>
+        <p:style>
+          <a:lnRef idx="1">
+            <a:schemeClr val="accent1"/>
+          </a:lnRef>
+          <a:fillRef idx="0">
+            <a:schemeClr val="accent1"/>
+          </a:fillRef>
+          <a:effectRef idx="0">
+            <a:schemeClr val="accent1"/>
+          </a:effectRef>
+          <a:fontRef idx="minor">
+            <a:schemeClr val="tx1"/>
+          </a:fontRef>
+        </p:style>
+        <p:txBody>
+          <a:bodyPr rtlCol="0" anchor="ctr"/>
+          <a:lstStyle/>
+          <a:p>
+            <a:pPr algn="ctr"/>
+            <a:endParaRPr lang="en-US"/>
+          </a:p>
+        </p:txBody>
+      </p:sp>
+    </p:spTree>
+  </p:cSld>
+  <p:clrMapOvr>
+    <a:masterClrMapping/>
+  </p:clrMapOvr>
+</p:sld>
+</file>
+
+<file path=ppt/slides/slide8.xml><?xml version="1.0" encoding="utf-8"?>
+<p:sld xmlns:a="http://schemas.openxmlformats.org/drawingml/2006/main" xmlns:r="http://schemas.openxmlformats.org/officeDocument/2006/relationships" xmlns:p="http://schemas.openxmlformats.org/presentationml/2006/main">
+  <p:cSld>
+    <p:spTree>
+      <p:nvGrpSpPr>
+        <p:cNvPr id="1" name=""/>
+        <p:cNvGrpSpPr/>
+        <p:nvPr/>
+      </p:nvGrpSpPr>
+      <p:grpSpPr>
+        <a:xfrm>
+          <a:off x="0" y="0"/>
+          <a:ext cx="0" cy="0"/>
+          <a:chOff x="0" y="0"/>
+          <a:chExt cx="0" cy="0"/>
+        </a:xfrm>
+      </p:grpSpPr>
+      <p:sp>
+        <p:nvSpPr>
+          <p:cNvPr id="2" name="Title 1"/>
+          <p:cNvSpPr>
+            <a:spLocks noGrp="1"/>
+          </p:cNvSpPr>
+          <p:nvPr>
+            <p:ph type="title"/>
+          </p:nvPr>
+        </p:nvSpPr>
+        <p:spPr/>
+        <p:txBody>
+          <a:bodyPr/>
+          <a:lstStyle/>
+          <a:p>
+            <a:endParaRPr lang="en-US"/>
+          </a:p>
+        </p:txBody>
+      </p:sp>
+      <p:sp>
+        <p:nvSpPr>
+          <p:cNvPr id="3" name="Content Placeholder 2"/>
+          <p:cNvSpPr>
+            <a:spLocks noGrp="1"/>
+          </p:cNvSpPr>
+          <p:nvPr>
+            <p:ph idx="1"/>
+          </p:nvPr>
+        </p:nvSpPr>
+        <p:spPr/>
+        <p:txBody>
+          <a:bodyPr/>
+          <a:lstStyle/>
+          <a:p>
+            <a:endParaRPr lang="en-US"/>
+          </a:p>
+        </p:txBody>
+      </p:sp>
     </p:spTree>
   </p:cSld>
   <p:clrMapOvr>
